--- a/Presentacion Final Ciclo 2011-1/Presentación Semana 17 Arreglado.pptx
+++ b/Presentacion Final Ciclo 2011-1/Presentación Semana 17 Arreglado.pptx
@@ -14380,7 +14380,7 @@
         </p:nvSpPr>
         <p:spPr bwMode="auto">
           <a:xfrm>
-            <a:off x="685800" y="3644007"/>
+            <a:off x="597970" y="3645024"/>
             <a:ext cx="8077200" cy="1153145"/>
           </a:xfrm>
         </p:spPr>
@@ -14398,6 +14398,9 @@
             </a:pPr>
             <a:r>
               <a:rPr lang="es-PE" sz="3000" dirty="0">
+                <a:solidFill>
+                  <a:srgbClr val="F6FB39"/>
+                </a:solidFill>
                 <a:effectLst>
                   <a:outerShdw blurRad="38100" dist="38100" dir="2700000" algn="tl">
                     <a:srgbClr val="FFFFFF"/>
@@ -14408,6 +14411,9 @@
               <a:t>ARQUITECTURA DE NEGOCIOS  DE LA OFICINA CENTRAL DE FE Y ALEGRÍA PERÚ</a:t>
             </a:r>
             <a:endParaRPr lang="es-ES" sz="3000" dirty="0" smtClean="0">
+              <a:solidFill>
+                <a:srgbClr val="F6FB39"/>
+              </a:solidFill>
               <a:effectLst>
                 <a:outerShdw blurRad="38100" dist="38100" dir="2700000" algn="tl">
                   <a:srgbClr val="FFFFFF"/>
@@ -14616,10 +14622,18 @@
           <a:lstStyle/>
           <a:p>
             <a:r>
-              <a:rPr lang="es-PE" dirty="0" smtClean="0"/>
+              <a:rPr lang="es-PE" dirty="0" smtClean="0">
+                <a:solidFill>
+                  <a:srgbClr val="F6FB39"/>
+                </a:solidFill>
+              </a:rPr>
               <a:t>Descripción del Proyecto</a:t>
             </a:r>
-            <a:endParaRPr lang="es-PE" dirty="0"/>
+            <a:endParaRPr lang="es-PE" dirty="0">
+              <a:solidFill>
+                <a:srgbClr val="F6FB39"/>
+              </a:solidFill>
+            </a:endParaRPr>
           </a:p>
         </p:txBody>
       </p:sp>
@@ -14835,10 +14849,18 @@
           <a:lstStyle/>
           <a:p>
             <a:r>
-              <a:rPr lang="es-PE" dirty="0" smtClean="0"/>
+              <a:rPr lang="es-PE" dirty="0" smtClean="0">
+                <a:solidFill>
+                  <a:srgbClr val="F6FB39"/>
+                </a:solidFill>
+              </a:rPr>
               <a:t>Objetivos del Proyecto</a:t>
             </a:r>
-            <a:endParaRPr lang="es-PE" dirty="0"/>
+            <a:endParaRPr lang="es-PE" dirty="0">
+              <a:solidFill>
+                <a:srgbClr val="F6FB39"/>
+              </a:solidFill>
+            </a:endParaRPr>
           </a:p>
         </p:txBody>
       </p:sp>
@@ -15094,10 +15116,18 @@
           <a:lstStyle/>
           <a:p>
             <a:r>
-              <a:rPr lang="es-PE" dirty="0" smtClean="0"/>
+              <a:rPr lang="es-PE" dirty="0" smtClean="0">
+                <a:solidFill>
+                  <a:srgbClr val="F6FB39"/>
+                </a:solidFill>
+              </a:rPr>
               <a:t>Alcance</a:t>
             </a:r>
-            <a:endParaRPr lang="es-PE" dirty="0"/>
+            <a:endParaRPr lang="es-PE" dirty="0">
+              <a:solidFill>
+                <a:srgbClr val="F6FB39"/>
+              </a:solidFill>
+            </a:endParaRPr>
           </a:p>
         </p:txBody>
       </p:sp>
@@ -15942,10 +15972,18 @@
           <a:lstStyle/>
           <a:p>
             <a:r>
-              <a:rPr lang="es-PE" dirty="0" smtClean="0"/>
+              <a:rPr lang="es-PE" dirty="0" smtClean="0">
+                <a:solidFill>
+                  <a:srgbClr val="F6FB39"/>
+                </a:solidFill>
+              </a:rPr>
               <a:t>Alcance</a:t>
             </a:r>
-            <a:endParaRPr lang="es-PE" dirty="0"/>
+            <a:endParaRPr lang="es-PE" dirty="0">
+              <a:solidFill>
+                <a:srgbClr val="F6FB39"/>
+              </a:solidFill>
+            </a:endParaRPr>
           </a:p>
         </p:txBody>
       </p:sp>
@@ -16390,10 +16428,18 @@
           <a:lstStyle/>
           <a:p>
             <a:r>
-              <a:rPr lang="es-PE" dirty="0" smtClean="0"/>
+              <a:rPr lang="es-PE" dirty="0" smtClean="0">
+                <a:solidFill>
+                  <a:srgbClr val="F6FB39"/>
+                </a:solidFill>
+              </a:rPr>
               <a:t>Ciclo 2011-1</a:t>
             </a:r>
-            <a:endParaRPr lang="es-PE" dirty="0"/>
+            <a:endParaRPr lang="es-PE" dirty="0">
+              <a:solidFill>
+                <a:srgbClr val="F6FB39"/>
+              </a:solidFill>
+            </a:endParaRPr>
           </a:p>
         </p:txBody>
       </p:sp>
@@ -16529,29 +16575,57 @@
           <a:lstStyle/>
           <a:p>
             <a:r>
-              <a:rPr lang="es-PE" dirty="0"/>
+              <a:rPr lang="es-PE" dirty="0">
+                <a:solidFill>
+                  <a:srgbClr val="F6FB39"/>
+                </a:solidFill>
+              </a:rPr>
               <a:t>Ciclo </a:t>
             </a:r>
             <a:r>
-              <a:rPr lang="es-PE" dirty="0" smtClean="0"/>
+              <a:rPr lang="es-PE" dirty="0" smtClean="0">
+                <a:solidFill>
+                  <a:srgbClr val="F6FB39"/>
+                </a:solidFill>
+              </a:rPr>
               <a:t>2010-1</a:t>
             </a:r>
             <a:br>
-              <a:rPr lang="es-PE" dirty="0" smtClean="0"/>
+              <a:rPr lang="es-PE" dirty="0" smtClean="0">
+                <a:solidFill>
+                  <a:srgbClr val="F6FB39"/>
+                </a:solidFill>
+              </a:rPr>
             </a:br>
             <a:r>
-              <a:rPr lang="es-PE" sz="2700" dirty="0" smtClean="0"/>
+              <a:rPr lang="es-PE" sz="2700" dirty="0" smtClean="0">
+                <a:solidFill>
+                  <a:srgbClr val="F6FB39"/>
+                </a:solidFill>
+              </a:rPr>
               <a:t>Mapa de Procesos del Proyecto </a:t>
             </a:r>
             <a:r>
-              <a:rPr lang="es-PE" sz="2700" dirty="0"/>
+              <a:rPr lang="es-PE" sz="2700" dirty="0">
+                <a:solidFill>
+                  <a:srgbClr val="F6FB39"/>
+                </a:solidFill>
+              </a:rPr>
               <a:t>“Modelo de Negocios Empresarial de la Oficina Central de </a:t>
             </a:r>
             <a:r>
-              <a:rPr lang="es-PE" sz="2700" dirty="0" smtClean="0"/>
+              <a:rPr lang="es-PE" sz="2700" dirty="0" smtClean="0">
+                <a:solidFill>
+                  <a:srgbClr val="F6FB39"/>
+                </a:solidFill>
+              </a:rPr>
               <a:t>Fe y Alegría”</a:t>
             </a:r>
-            <a:endParaRPr lang="es-PE" sz="3300" dirty="0"/>
+            <a:endParaRPr lang="es-PE" sz="3300" dirty="0">
+              <a:solidFill>
+                <a:srgbClr val="F6FB39"/>
+              </a:solidFill>
+            </a:endParaRPr>
           </a:p>
         </p:txBody>
       </p:sp>
@@ -17469,14 +17543,26 @@
           <a:lstStyle/>
           <a:p>
             <a:r>
-              <a:rPr lang="es-PE" dirty="0"/>
+              <a:rPr lang="es-PE" dirty="0">
+                <a:solidFill>
+                  <a:srgbClr val="F6FB39"/>
+                </a:solidFill>
+              </a:rPr>
               <a:t>Ciclo 2011-1</a:t>
             </a:r>
             <a:br>
-              <a:rPr lang="es-PE" dirty="0"/>
+              <a:rPr lang="es-PE" dirty="0">
+                <a:solidFill>
+                  <a:srgbClr val="F6FB39"/>
+                </a:solidFill>
+              </a:rPr>
             </a:br>
             <a:r>
-              <a:rPr lang="es-PE" sz="3300" dirty="0"/>
+              <a:rPr lang="es-PE" sz="3300" dirty="0">
+                <a:solidFill>
+                  <a:srgbClr val="F6FB39"/>
+                </a:solidFill>
+              </a:rPr>
               <a:t>Mapa de Procesos</a:t>
             </a:r>
           </a:p>
@@ -17890,17 +17976,33 @@
           <a:lstStyle/>
           <a:p>
             <a:r>
-              <a:rPr lang="es-PE" dirty="0"/>
+              <a:rPr lang="es-PE" dirty="0">
+                <a:solidFill>
+                  <a:srgbClr val="F6FB39"/>
+                </a:solidFill>
+              </a:rPr>
               <a:t>Ciclo 2011-1</a:t>
             </a:r>
             <a:br>
-              <a:rPr lang="es-PE" dirty="0"/>
+              <a:rPr lang="es-PE" dirty="0">
+                <a:solidFill>
+                  <a:srgbClr val="F6FB39"/>
+                </a:solidFill>
+              </a:rPr>
             </a:br>
             <a:r>
-              <a:rPr lang="es-PE" sz="3300" dirty="0" smtClean="0"/>
+              <a:rPr lang="es-PE" sz="3300" dirty="0" smtClean="0">
+                <a:solidFill>
+                  <a:srgbClr val="F6FB39"/>
+                </a:solidFill>
+              </a:rPr>
               <a:t>Estado del Modelado de Procesos</a:t>
             </a:r>
-            <a:endParaRPr lang="es-PE" sz="3300" dirty="0"/>
+            <a:endParaRPr lang="es-PE" sz="3300" dirty="0">
+              <a:solidFill>
+                <a:srgbClr val="F6FB39"/>
+              </a:solidFill>
+            </a:endParaRPr>
           </a:p>
         </p:txBody>
       </p:sp>
@@ -20458,17 +20560,33 @@
           <a:lstStyle/>
           <a:p>
             <a:r>
-              <a:rPr lang="es-PE" dirty="0"/>
+              <a:rPr lang="es-PE" dirty="0">
+                <a:solidFill>
+                  <a:srgbClr val="F6FB39"/>
+                </a:solidFill>
+              </a:rPr>
               <a:t>Ciclo 2011-1</a:t>
             </a:r>
             <a:br>
-              <a:rPr lang="es-PE" dirty="0"/>
+              <a:rPr lang="es-PE" dirty="0">
+                <a:solidFill>
+                  <a:srgbClr val="F6FB39"/>
+                </a:solidFill>
+              </a:rPr>
             </a:br>
             <a:r>
-              <a:rPr lang="es-PE" sz="3300" dirty="0" smtClean="0"/>
+              <a:rPr lang="es-PE" sz="3300" dirty="0" smtClean="0">
+                <a:solidFill>
+                  <a:srgbClr val="F6FB39"/>
+                </a:solidFill>
+              </a:rPr>
               <a:t>Estado del Modelado de Procesos</a:t>
             </a:r>
-            <a:endParaRPr lang="es-PE" sz="3300" dirty="0"/>
+            <a:endParaRPr lang="es-PE" sz="3300" dirty="0">
+              <a:solidFill>
+                <a:srgbClr val="F6FB39"/>
+              </a:solidFill>
+            </a:endParaRPr>
           </a:p>
         </p:txBody>
       </p:sp>
@@ -22743,17 +22861,33 @@
           <a:lstStyle/>
           <a:p>
             <a:r>
-              <a:rPr lang="es-PE" dirty="0"/>
+              <a:rPr lang="es-PE" dirty="0">
+                <a:solidFill>
+                  <a:srgbClr val="F6FB39"/>
+                </a:solidFill>
+              </a:rPr>
               <a:t>Ciclo 2011-1</a:t>
             </a:r>
             <a:br>
-              <a:rPr lang="es-PE" dirty="0"/>
+              <a:rPr lang="es-PE" dirty="0">
+                <a:solidFill>
+                  <a:srgbClr val="F6FB39"/>
+                </a:solidFill>
+              </a:rPr>
             </a:br>
             <a:r>
-              <a:rPr lang="es-PE" sz="3300" dirty="0" smtClean="0"/>
+              <a:rPr lang="es-PE" sz="3300" dirty="0" smtClean="0">
+                <a:solidFill>
+                  <a:srgbClr val="F6FB39"/>
+                </a:solidFill>
+              </a:rPr>
               <a:t>Estado del Modelado de Procesos</a:t>
             </a:r>
-            <a:endParaRPr lang="es-PE" sz="3300" dirty="0"/>
+            <a:endParaRPr lang="es-PE" sz="3300" dirty="0">
+              <a:solidFill>
+                <a:srgbClr val="F6FB39"/>
+              </a:solidFill>
+            </a:endParaRPr>
           </a:p>
         </p:txBody>
       </p:sp>
@@ -25812,6 +25946,9 @@
             </a:pPr>
             <a:r>
               <a:rPr lang="es-ES" dirty="0" smtClean="0">
+                <a:solidFill>
+                  <a:srgbClr val="F6FB39"/>
+                </a:solidFill>
                 <a:effectLst>
                   <a:outerShdw blurRad="38100" dist="38100" dir="2700000" algn="tl">
                     <a:srgbClr val="C0C0C0"/>
@@ -26129,17 +26266,33 @@
           <a:lstStyle/>
           <a:p>
             <a:r>
-              <a:rPr lang="es-PE" dirty="0"/>
+              <a:rPr lang="es-PE" dirty="0">
+                <a:solidFill>
+                  <a:srgbClr val="F6FB39"/>
+                </a:solidFill>
+              </a:rPr>
               <a:t>Ciclo 2011-1</a:t>
             </a:r>
             <a:br>
-              <a:rPr lang="es-PE" dirty="0"/>
+              <a:rPr lang="es-PE" dirty="0">
+                <a:solidFill>
+                  <a:srgbClr val="F6FB39"/>
+                </a:solidFill>
+              </a:rPr>
             </a:br>
             <a:r>
-              <a:rPr lang="es-PE" sz="3300" dirty="0" smtClean="0"/>
+              <a:rPr lang="es-PE" sz="3300" dirty="0" smtClean="0">
+                <a:solidFill>
+                  <a:srgbClr val="F6FB39"/>
+                </a:solidFill>
+              </a:rPr>
               <a:t>Estado del Modelado de Procesos</a:t>
             </a:r>
-            <a:endParaRPr lang="es-PE" sz="3300" dirty="0"/>
+            <a:endParaRPr lang="es-PE" sz="3300" dirty="0">
+              <a:solidFill>
+                <a:srgbClr val="F6FB39"/>
+              </a:solidFill>
+            </a:endParaRPr>
           </a:p>
         </p:txBody>
       </p:sp>
@@ -29654,21 +29807,41 @@
           <a:lstStyle/>
           <a:p>
             <a:r>
-              <a:rPr lang="es-PE" dirty="0"/>
+              <a:rPr lang="es-PE" dirty="0">
+                <a:solidFill>
+                  <a:srgbClr val="F6FB39"/>
+                </a:solidFill>
+              </a:rPr>
               <a:t>Ciclo 2011-1</a:t>
             </a:r>
             <a:br>
-              <a:rPr lang="es-PE" dirty="0"/>
+              <a:rPr lang="es-PE" dirty="0">
+                <a:solidFill>
+                  <a:srgbClr val="F6FB39"/>
+                </a:solidFill>
+              </a:rPr>
             </a:br>
             <a:r>
-              <a:rPr lang="es-PE" sz="3300" dirty="0"/>
+              <a:rPr lang="es-PE" sz="3300" dirty="0">
+                <a:solidFill>
+                  <a:srgbClr val="F6FB39"/>
+                </a:solidFill>
+              </a:rPr>
               <a:t>Hitos </a:t>
             </a:r>
             <a:r>
-              <a:rPr lang="es-PE" sz="3300" dirty="0" smtClean="0"/>
+              <a:rPr lang="es-PE" sz="3300" dirty="0" smtClean="0">
+                <a:solidFill>
+                  <a:srgbClr val="F6FB39"/>
+                </a:solidFill>
+              </a:rPr>
               <a:t>Alcanzados</a:t>
             </a:r>
-            <a:endParaRPr lang="es-PE" sz="3300" dirty="0"/>
+            <a:endParaRPr lang="es-PE" sz="3300" dirty="0">
+              <a:solidFill>
+                <a:srgbClr val="F6FB39"/>
+              </a:solidFill>
+            </a:endParaRPr>
           </a:p>
         </p:txBody>
       </p:sp>
@@ -30852,17 +31025,33 @@
           <a:lstStyle/>
           <a:p>
             <a:r>
-              <a:rPr lang="es-PE" dirty="0"/>
+              <a:rPr lang="es-PE" dirty="0">
+                <a:solidFill>
+                  <a:srgbClr val="F6FB39"/>
+                </a:solidFill>
+              </a:rPr>
               <a:t>Ciclo 2011-1</a:t>
             </a:r>
             <a:br>
-              <a:rPr lang="es-PE" dirty="0"/>
+              <a:rPr lang="es-PE" dirty="0">
+                <a:solidFill>
+                  <a:srgbClr val="F6FB39"/>
+                </a:solidFill>
+              </a:rPr>
             </a:br>
             <a:r>
-              <a:rPr lang="es-PE" sz="3300" dirty="0" smtClean="0"/>
+              <a:rPr lang="es-PE" sz="3300" dirty="0" smtClean="0">
+                <a:solidFill>
+                  <a:srgbClr val="F6FB39"/>
+                </a:solidFill>
+              </a:rPr>
               <a:t>Gestión del Proyecto</a:t>
             </a:r>
-            <a:endParaRPr lang="es-PE" sz="3300" dirty="0"/>
+            <a:endParaRPr lang="es-PE" sz="3300" dirty="0">
+              <a:solidFill>
+                <a:srgbClr val="F6FB39"/>
+              </a:solidFill>
+            </a:endParaRPr>
           </a:p>
         </p:txBody>
       </p:sp>
@@ -31131,17 +31320,33 @@
           <a:lstStyle/>
           <a:p>
             <a:r>
-              <a:rPr lang="es-PE" dirty="0"/>
+              <a:rPr lang="es-PE" dirty="0">
+                <a:solidFill>
+                  <a:srgbClr val="F6FB39"/>
+                </a:solidFill>
+              </a:rPr>
               <a:t>Ciclo 2011-1</a:t>
             </a:r>
             <a:br>
-              <a:rPr lang="es-PE" dirty="0"/>
+              <a:rPr lang="es-PE" dirty="0">
+                <a:solidFill>
+                  <a:srgbClr val="F6FB39"/>
+                </a:solidFill>
+              </a:rPr>
             </a:br>
             <a:r>
-              <a:rPr lang="es-PE" sz="3300" dirty="0" smtClean="0"/>
+              <a:rPr lang="es-PE" sz="3300" dirty="0" smtClean="0">
+                <a:solidFill>
+                  <a:srgbClr val="F6FB39"/>
+                </a:solidFill>
+              </a:rPr>
               <a:t>Gestión del Proyecto</a:t>
             </a:r>
-            <a:endParaRPr lang="es-PE" sz="3300" dirty="0"/>
+            <a:endParaRPr lang="es-PE" sz="3300" dirty="0">
+              <a:solidFill>
+                <a:srgbClr val="F6FB39"/>
+              </a:solidFill>
+            </a:endParaRPr>
           </a:p>
         </p:txBody>
       </p:sp>
@@ -31725,17 +31930,33 @@
           <a:lstStyle/>
           <a:p>
             <a:r>
-              <a:rPr lang="es-PE" dirty="0"/>
+              <a:rPr lang="es-PE" dirty="0">
+                <a:solidFill>
+                  <a:srgbClr val="F6FB39"/>
+                </a:solidFill>
+              </a:rPr>
               <a:t>Ciclo 2011-1</a:t>
             </a:r>
             <a:br>
-              <a:rPr lang="es-PE" dirty="0"/>
+              <a:rPr lang="es-PE" dirty="0">
+                <a:solidFill>
+                  <a:srgbClr val="F6FB39"/>
+                </a:solidFill>
+              </a:rPr>
             </a:br>
             <a:r>
-              <a:rPr lang="es-PE" sz="3300" dirty="0" smtClean="0"/>
+              <a:rPr lang="es-PE" sz="3300" dirty="0" smtClean="0">
+                <a:solidFill>
+                  <a:srgbClr val="F6FB39"/>
+                </a:solidFill>
+              </a:rPr>
               <a:t>Gestión del Proyecto</a:t>
             </a:r>
-            <a:endParaRPr lang="es-PE" sz="3300" dirty="0"/>
+            <a:endParaRPr lang="es-PE" sz="3300" dirty="0">
+              <a:solidFill>
+                <a:srgbClr val="F6FB39"/>
+              </a:solidFill>
+            </a:endParaRPr>
           </a:p>
         </p:txBody>
       </p:sp>
@@ -32219,17 +32440,33 @@
           <a:lstStyle/>
           <a:p>
             <a:r>
-              <a:rPr lang="es-PE" dirty="0"/>
+              <a:rPr lang="es-PE" dirty="0">
+                <a:solidFill>
+                  <a:srgbClr val="F6FB39"/>
+                </a:solidFill>
+              </a:rPr>
               <a:t>Ciclo 2011-1</a:t>
             </a:r>
             <a:br>
-              <a:rPr lang="es-PE" dirty="0"/>
+              <a:rPr lang="es-PE" dirty="0">
+                <a:solidFill>
+                  <a:srgbClr val="F6FB39"/>
+                </a:solidFill>
+              </a:rPr>
             </a:br>
             <a:r>
-              <a:rPr lang="es-PE" sz="3300" dirty="0" smtClean="0"/>
+              <a:rPr lang="es-PE" sz="3300" dirty="0" smtClean="0">
+                <a:solidFill>
+                  <a:srgbClr val="F6FB39"/>
+                </a:solidFill>
+              </a:rPr>
               <a:t>Gestión del Proyecto</a:t>
             </a:r>
-            <a:endParaRPr lang="es-PE" sz="3300" dirty="0"/>
+            <a:endParaRPr lang="es-PE" sz="3300" dirty="0">
+              <a:solidFill>
+                <a:srgbClr val="F6FB39"/>
+              </a:solidFill>
+            </a:endParaRPr>
           </a:p>
         </p:txBody>
       </p:sp>
@@ -32519,17 +32756,33 @@
           <a:lstStyle/>
           <a:p>
             <a:r>
-              <a:rPr lang="es-PE" dirty="0"/>
+              <a:rPr lang="es-PE" dirty="0">
+                <a:solidFill>
+                  <a:srgbClr val="F6FB39"/>
+                </a:solidFill>
+              </a:rPr>
               <a:t>Ciclo 2011-1</a:t>
             </a:r>
             <a:br>
-              <a:rPr lang="es-PE" dirty="0"/>
+              <a:rPr lang="es-PE" dirty="0">
+                <a:solidFill>
+                  <a:srgbClr val="F6FB39"/>
+                </a:solidFill>
+              </a:rPr>
             </a:br>
             <a:r>
-              <a:rPr lang="es-PE" sz="3300" dirty="0" smtClean="0"/>
+              <a:rPr lang="es-PE" sz="3300" dirty="0" smtClean="0">
+                <a:solidFill>
+                  <a:srgbClr val="F6FB39"/>
+                </a:solidFill>
+              </a:rPr>
               <a:t>Gestión del Proyecto</a:t>
             </a:r>
-            <a:endParaRPr lang="es-PE" sz="3300" dirty="0"/>
+            <a:endParaRPr lang="es-PE" sz="3300" dirty="0">
+              <a:solidFill>
+                <a:srgbClr val="F6FB39"/>
+              </a:solidFill>
+            </a:endParaRPr>
           </a:p>
         </p:txBody>
       </p:sp>
@@ -32753,17 +33006,33 @@
           <a:lstStyle/>
           <a:p>
             <a:r>
-              <a:rPr lang="es-PE" dirty="0"/>
+              <a:rPr lang="es-PE" dirty="0">
+                <a:solidFill>
+                  <a:srgbClr val="F6FB39"/>
+                </a:solidFill>
+              </a:rPr>
               <a:t>Ciclo 2011-1</a:t>
             </a:r>
             <a:br>
-              <a:rPr lang="es-PE" dirty="0"/>
+              <a:rPr lang="es-PE" dirty="0">
+                <a:solidFill>
+                  <a:srgbClr val="F6FB39"/>
+                </a:solidFill>
+              </a:rPr>
             </a:br>
             <a:r>
-              <a:rPr lang="es-PE" sz="3300" dirty="0" smtClean="0"/>
+              <a:rPr lang="es-PE" sz="3300" dirty="0" smtClean="0">
+                <a:solidFill>
+                  <a:srgbClr val="F6FB39"/>
+                </a:solidFill>
+              </a:rPr>
               <a:t>Gestión del Proyecto</a:t>
             </a:r>
-            <a:endParaRPr lang="es-PE" sz="3300" dirty="0"/>
+            <a:endParaRPr lang="es-PE" sz="3300" dirty="0">
+              <a:solidFill>
+                <a:srgbClr val="F6FB39"/>
+              </a:solidFill>
+            </a:endParaRPr>
           </a:p>
         </p:txBody>
       </p:sp>
@@ -33062,17 +33331,33 @@
           <a:lstStyle/>
           <a:p>
             <a:r>
-              <a:rPr lang="es-PE" dirty="0"/>
+              <a:rPr lang="es-PE" dirty="0">
+                <a:solidFill>
+                  <a:srgbClr val="F6FB39"/>
+                </a:solidFill>
+              </a:rPr>
               <a:t>Ciclo 2011-1</a:t>
             </a:r>
             <a:br>
-              <a:rPr lang="es-PE" dirty="0"/>
+              <a:rPr lang="es-PE" dirty="0">
+                <a:solidFill>
+                  <a:srgbClr val="F6FB39"/>
+                </a:solidFill>
+              </a:rPr>
             </a:br>
             <a:r>
-              <a:rPr lang="es-PE" sz="3300" dirty="0" smtClean="0"/>
+              <a:rPr lang="es-PE" sz="3300" dirty="0" smtClean="0">
+                <a:solidFill>
+                  <a:srgbClr val="F6FB39"/>
+                </a:solidFill>
+              </a:rPr>
               <a:t>Gestión del Proyecto</a:t>
             </a:r>
-            <a:endParaRPr lang="es-PE" sz="3300" dirty="0"/>
+            <a:endParaRPr lang="es-PE" sz="3300" dirty="0">
+              <a:solidFill>
+                <a:srgbClr val="F6FB39"/>
+              </a:solidFill>
+            </a:endParaRPr>
           </a:p>
         </p:txBody>
       </p:sp>
@@ -33296,17 +33581,33 @@
           <a:lstStyle/>
           <a:p>
             <a:r>
-              <a:rPr lang="es-PE" dirty="0"/>
+              <a:rPr lang="es-PE" dirty="0">
+                <a:solidFill>
+                  <a:srgbClr val="F6FB39"/>
+                </a:solidFill>
+              </a:rPr>
               <a:t>Ciclo 2011-1</a:t>
             </a:r>
             <a:br>
-              <a:rPr lang="es-PE" dirty="0"/>
+              <a:rPr lang="es-PE" dirty="0">
+                <a:solidFill>
+                  <a:srgbClr val="F6FB39"/>
+                </a:solidFill>
+              </a:rPr>
             </a:br>
             <a:r>
-              <a:rPr lang="es-PE" sz="3300" dirty="0" smtClean="0"/>
+              <a:rPr lang="es-PE" sz="3300" dirty="0" smtClean="0">
+                <a:solidFill>
+                  <a:srgbClr val="F6FB39"/>
+                </a:solidFill>
+              </a:rPr>
               <a:t>Gestión del Proyecto</a:t>
             </a:r>
-            <a:endParaRPr lang="es-PE" sz="3300" dirty="0"/>
+            <a:endParaRPr lang="es-PE" sz="3300" dirty="0">
+              <a:solidFill>
+                <a:srgbClr val="F6FB39"/>
+              </a:solidFill>
+            </a:endParaRPr>
           </a:p>
         </p:txBody>
       </p:sp>
@@ -33619,7 +33920,6 @@
               <a:rPr lang="en-US" sz="2000" dirty="0" smtClean="0"/>
               <a:t>Macroproceso de </a:t>
             </a:r>
-            <a:endParaRPr lang="en-US" sz="2000" dirty="0" smtClean="0"/>
           </a:p>
           <a:p>
             <a:pPr marL="119062" indent="0" algn="ctr">
@@ -33628,11 +33928,7 @@
             </a:pPr>
             <a:r>
               <a:rPr lang="es-PE" sz="2000" dirty="0" smtClean="0"/>
-              <a:t>Contabilidad </a:t>
-            </a:r>
-            <a:r>
-              <a:rPr lang="es-PE" sz="2000" dirty="0" smtClean="0"/>
-              <a:t>y Presupuestos</a:t>
+              <a:t>Contabilidad y Presupuestos</a:t>
             </a:r>
             <a:endParaRPr lang="es-PE" sz="2000" dirty="0"/>
           </a:p>
@@ -33659,7 +33955,7 @@
         </p:blipFill>
         <p:spPr bwMode="auto">
           <a:xfrm>
-            <a:off x="4433250" y="1514467"/>
+            <a:off x="4433250" y="1484784"/>
             <a:ext cx="3816424" cy="5302250"/>
           </a:xfrm>
           <a:prstGeom prst="rect">
@@ -33738,10 +34034,18 @@
           <a:lstStyle/>
           <a:p>
             <a:r>
-              <a:rPr lang="es-PE" dirty="0" smtClean="0"/>
+              <a:rPr lang="es-PE" dirty="0" smtClean="0">
+                <a:solidFill>
+                  <a:srgbClr val="F6FB39"/>
+                </a:solidFill>
+              </a:rPr>
               <a:t>Contexto del Proyecto</a:t>
             </a:r>
-            <a:endParaRPr lang="es-PE" dirty="0"/>
+            <a:endParaRPr lang="es-PE" dirty="0">
+              <a:solidFill>
+                <a:srgbClr val="F6FB39"/>
+              </a:solidFill>
+            </a:endParaRPr>
           </a:p>
         </p:txBody>
       </p:sp>
@@ -33871,10 +34175,18 @@
           <a:lstStyle/>
           <a:p>
             <a:r>
-              <a:rPr lang="es-PE" dirty="0" smtClean="0"/>
+              <a:rPr lang="es-PE" dirty="0" smtClean="0">
+                <a:solidFill>
+                  <a:srgbClr val="F6FB39"/>
+                </a:solidFill>
+              </a:rPr>
               <a:t>Ciclo 2011-2</a:t>
             </a:r>
-            <a:endParaRPr lang="es-PE" dirty="0"/>
+            <a:endParaRPr lang="es-PE" dirty="0">
+              <a:solidFill>
+                <a:srgbClr val="F6FB39"/>
+              </a:solidFill>
+            </a:endParaRPr>
           </a:p>
         </p:txBody>
       </p:sp>
@@ -34003,18 +34315,34 @@
           <a:lstStyle/>
           <a:p>
             <a:r>
-              <a:rPr lang="en-US" dirty="0" smtClean="0"/>
+              <a:rPr lang="en-US" dirty="0" smtClean="0">
+                <a:solidFill>
+                  <a:srgbClr val="F6FB39"/>
+                </a:solidFill>
+              </a:rPr>
               <a:t>Actividades del </a:t>
             </a:r>
             <a:r>
-              <a:rPr lang="en-US" dirty="0" err="1" smtClean="0"/>
+              <a:rPr lang="en-US" dirty="0" err="1" smtClean="0">
+                <a:solidFill>
+                  <a:srgbClr val="F6FB39"/>
+                </a:solidFill>
+              </a:rPr>
               <a:t>Ciclo</a:t>
             </a:r>
             <a:r>
-              <a:rPr lang="en-US" dirty="0" smtClean="0"/>
+              <a:rPr lang="en-US" dirty="0" smtClean="0">
+                <a:solidFill>
+                  <a:srgbClr val="F6FB39"/>
+                </a:solidFill>
+              </a:rPr>
               <a:t> 2011-2</a:t>
             </a:r>
-            <a:endParaRPr lang="es-PE" dirty="0"/>
+            <a:endParaRPr lang="es-PE" dirty="0">
+              <a:solidFill>
+                <a:srgbClr val="F6FB39"/>
+              </a:solidFill>
+            </a:endParaRPr>
           </a:p>
         </p:txBody>
       </p:sp>
@@ -34189,10 +34517,18 @@
           <a:lstStyle/>
           <a:p>
             <a:r>
-              <a:rPr lang="es-PE" dirty="0" smtClean="0"/>
+              <a:rPr lang="es-PE" dirty="0" smtClean="0">
+                <a:solidFill>
+                  <a:srgbClr val="F6FB39"/>
+                </a:solidFill>
+              </a:rPr>
               <a:t>¿Preguntas?</a:t>
             </a:r>
-            <a:endParaRPr lang="es-PE" dirty="0"/>
+            <a:endParaRPr lang="es-PE" dirty="0">
+              <a:solidFill>
+                <a:srgbClr val="F6FB39"/>
+              </a:solidFill>
+            </a:endParaRPr>
           </a:p>
         </p:txBody>
       </p:sp>
@@ -34327,10 +34663,18 @@
           <a:p>
             <a:pPr algn="r"/>
             <a:r>
-              <a:rPr lang="es-PE" dirty="0" smtClean="0"/>
+              <a:rPr lang="es-PE" dirty="0" smtClean="0">
+                <a:solidFill>
+                  <a:srgbClr val="F6FB39"/>
+                </a:solidFill>
+              </a:rPr>
               <a:t>GRACIAS</a:t>
             </a:r>
-            <a:endParaRPr lang="es-PE" dirty="0"/>
+            <a:endParaRPr lang="es-PE" dirty="0">
+              <a:solidFill>
+                <a:srgbClr val="F6FB39"/>
+              </a:solidFill>
+            </a:endParaRPr>
           </a:p>
         </p:txBody>
       </p:sp>
@@ -34419,7 +34763,11 @@
           <a:lstStyle/>
           <a:p>
             <a:r>
-              <a:rPr lang="es-PE" dirty="0"/>
+              <a:rPr lang="es-PE" dirty="0">
+                <a:solidFill>
+                  <a:srgbClr val="F6FB39"/>
+                </a:solidFill>
+              </a:rPr>
               <a:t>GESTIÓN DE OBRAS CIVILES</a:t>
             </a:r>
           </a:p>
@@ -34688,18 +35036,34 @@
           <a:lstStyle/>
           <a:p>
             <a:r>
-              <a:rPr lang="es-PE" dirty="0" smtClean="0"/>
+              <a:rPr lang="es-PE" dirty="0" smtClean="0">
+                <a:solidFill>
+                  <a:srgbClr val="F6FB39"/>
+                </a:solidFill>
+              </a:rPr>
               <a:t>GESTIÓN </a:t>
             </a:r>
             <a:r>
-              <a:rPr lang="es-PE" dirty="0"/>
+              <a:rPr lang="es-PE" dirty="0">
+                <a:solidFill>
+                  <a:srgbClr val="F6FB39"/>
+                </a:solidFill>
+              </a:rPr>
               <a:t>DE </a:t>
             </a:r>
             <a:r>
-              <a:rPr lang="es-PE" dirty="0" smtClean="0"/>
+              <a:rPr lang="es-PE" dirty="0" smtClean="0">
+                <a:solidFill>
+                  <a:srgbClr val="F6FB39"/>
+                </a:solidFill>
+              </a:rPr>
               <a:t>ABASTECIMIENTO</a:t>
             </a:r>
-            <a:endParaRPr lang="es-PE" dirty="0"/>
+            <a:endParaRPr lang="es-PE" dirty="0">
+              <a:solidFill>
+                <a:srgbClr val="F6FB39"/>
+              </a:solidFill>
+            </a:endParaRPr>
           </a:p>
         </p:txBody>
       </p:sp>
@@ -34967,7 +35331,11 @@
           <a:lstStyle/>
           <a:p>
             <a:r>
-              <a:rPr lang="es-PE" dirty="0"/>
+              <a:rPr lang="es-PE" dirty="0">
+                <a:solidFill>
+                  <a:srgbClr val="F6FB39"/>
+                </a:solidFill>
+              </a:rPr>
               <a:t>GESTIÓN DE CONTROL DE PAGOS</a:t>
             </a:r>
           </a:p>
@@ -35176,11 +35544,19 @@
           <a:lstStyle/>
           <a:p>
             <a:r>
-              <a:rPr lang="es-PE" dirty="0" smtClean="0"/>
+              <a:rPr lang="es-PE" dirty="0" smtClean="0">
+                <a:solidFill>
+                  <a:srgbClr val="F6FB39"/>
+                </a:solidFill>
+              </a:rPr>
               <a:t>CONTABILIDAD </a:t>
             </a:r>
             <a:r>
-              <a:rPr lang="es-PE" dirty="0"/>
+              <a:rPr lang="es-PE" dirty="0">
+                <a:solidFill>
+                  <a:srgbClr val="F6FB39"/>
+                </a:solidFill>
+              </a:rPr>
               <a:t>Y PRESUPUESTO</a:t>
             </a:r>
           </a:p>
@@ -35451,10 +35827,18 @@
           <a:p>
             <a:pPr algn="r"/>
             <a:r>
-              <a:rPr lang="es-PE" dirty="0" smtClean="0"/>
+              <a:rPr lang="es-PE" dirty="0" smtClean="0">
+                <a:solidFill>
+                  <a:srgbClr val="F6FB39"/>
+                </a:solidFill>
+              </a:rPr>
               <a:t>GRACIAS</a:t>
             </a:r>
-            <a:endParaRPr lang="es-PE" dirty="0"/>
+            <a:endParaRPr lang="es-PE" dirty="0">
+              <a:solidFill>
+                <a:srgbClr val="F6FB39"/>
+              </a:solidFill>
+            </a:endParaRPr>
           </a:p>
         </p:txBody>
       </p:sp>
@@ -35761,10 +36145,18 @@
           <a:lstStyle/>
           <a:p>
             <a:r>
-              <a:rPr lang="es-PE" dirty="0" smtClean="0"/>
+              <a:rPr lang="es-PE" dirty="0" smtClean="0">
+                <a:solidFill>
+                  <a:srgbClr val="F6FB39"/>
+                </a:solidFill>
+              </a:rPr>
               <a:t>Movimiento Fe y Alegría Perú</a:t>
             </a:r>
-            <a:endParaRPr lang="es-PE" dirty="0"/>
+            <a:endParaRPr lang="es-PE" dirty="0">
+              <a:solidFill>
+                <a:srgbClr val="F6FB39"/>
+              </a:solidFill>
+            </a:endParaRPr>
           </a:p>
         </p:txBody>
       </p:sp>
@@ -36051,19 +36443,35 @@
           <a:lstStyle/>
           <a:p>
             <a:r>
-              <a:rPr lang="es-PE" dirty="0" smtClean="0"/>
+              <a:rPr lang="es-PE" dirty="0" smtClean="0">
+                <a:solidFill>
+                  <a:srgbClr val="F6FB39"/>
+                </a:solidFill>
+              </a:rPr>
               <a:t>CONTABILIDAD </a:t>
             </a:r>
             <a:r>
-              <a:rPr lang="es-PE" dirty="0"/>
+              <a:rPr lang="es-PE" dirty="0">
+                <a:solidFill>
+                  <a:srgbClr val="F6FB39"/>
+                </a:solidFill>
+              </a:rPr>
               <a:t>Y </a:t>
             </a:r>
             <a:r>
-              <a:rPr lang="es-PE" dirty="0" smtClean="0"/>
+              <a:rPr lang="es-PE" dirty="0" smtClean="0">
+                <a:solidFill>
+                  <a:srgbClr val="F6FB39"/>
+                </a:solidFill>
+              </a:rPr>
               <a:t>PRESUPUESTO </a:t>
             </a:r>
             <a:r>
-              <a:rPr lang="es-PE" dirty="0"/>
+              <a:rPr lang="es-PE" dirty="0">
+                <a:solidFill>
+                  <a:srgbClr val="F6FB39"/>
+                </a:solidFill>
+              </a:rPr>
               <a:t>– Proyecto Anterior</a:t>
             </a:r>
           </a:p>
@@ -36277,19 +36685,35 @@
           <a:lstStyle/>
           <a:p>
             <a:r>
-              <a:rPr lang="es-PE" dirty="0" smtClean="0"/>
+              <a:rPr lang="es-PE" dirty="0" smtClean="0">
+                <a:solidFill>
+                  <a:srgbClr val="F6FB39"/>
+                </a:solidFill>
+              </a:rPr>
               <a:t>GESTIÓN </a:t>
             </a:r>
             <a:r>
-              <a:rPr lang="es-PE" dirty="0"/>
+              <a:rPr lang="es-PE" dirty="0">
+                <a:solidFill>
+                  <a:srgbClr val="F6FB39"/>
+                </a:solidFill>
+              </a:rPr>
               <a:t>DE </a:t>
             </a:r>
             <a:r>
-              <a:rPr lang="es-PE" dirty="0" smtClean="0"/>
+              <a:rPr lang="es-PE" dirty="0" smtClean="0">
+                <a:solidFill>
+                  <a:srgbClr val="F6FB39"/>
+                </a:solidFill>
+              </a:rPr>
               <a:t>ABASTECIMIENTO </a:t>
             </a:r>
             <a:r>
-              <a:rPr lang="es-PE" dirty="0"/>
+              <a:rPr lang="es-PE" dirty="0">
+                <a:solidFill>
+                  <a:srgbClr val="F6FB39"/>
+                </a:solidFill>
+              </a:rPr>
               <a:t>– Proyecto Anterior</a:t>
             </a:r>
           </a:p>
@@ -36501,14 +36925,26 @@
           <a:lstStyle/>
           <a:p>
             <a:r>
-              <a:rPr lang="es-PE" dirty="0"/>
+              <a:rPr lang="es-PE" dirty="0">
+                <a:solidFill>
+                  <a:srgbClr val="F6FB39"/>
+                </a:solidFill>
+              </a:rPr>
               <a:t>GESTIÓN DE OBRAS </a:t>
             </a:r>
             <a:r>
-              <a:rPr lang="es-PE" dirty="0" smtClean="0"/>
+              <a:rPr lang="es-PE" dirty="0" smtClean="0">
+                <a:solidFill>
+                  <a:srgbClr val="F6FB39"/>
+                </a:solidFill>
+              </a:rPr>
               <a:t>CIVILES – Proyecto Anterior</a:t>
             </a:r>
-            <a:endParaRPr lang="es-PE" dirty="0"/>
+            <a:endParaRPr lang="es-PE" dirty="0">
+              <a:solidFill>
+                <a:srgbClr val="F6FB39"/>
+              </a:solidFill>
+            </a:endParaRPr>
           </a:p>
         </p:txBody>
       </p:sp>
@@ -36722,10 +37158,18 @@
           <a:lstStyle/>
           <a:p>
             <a:r>
-              <a:rPr lang="es-PE" dirty="0" smtClean="0"/>
+              <a:rPr lang="es-PE" dirty="0" smtClean="0">
+                <a:solidFill>
+                  <a:srgbClr val="F6FB39"/>
+                </a:solidFill>
+              </a:rPr>
               <a:t>Situación Actual de la Oficina</a:t>
             </a:r>
-            <a:endParaRPr lang="es-PE" dirty="0"/>
+            <a:endParaRPr lang="es-PE" dirty="0">
+              <a:solidFill>
+                <a:srgbClr val="F6FB39"/>
+              </a:solidFill>
+            </a:endParaRPr>
           </a:p>
         </p:txBody>
       </p:sp>
@@ -37017,10 +37461,18 @@
           <a:lstStyle/>
           <a:p>
             <a:r>
-              <a:rPr lang="es-PE" dirty="0" smtClean="0"/>
+              <a:rPr lang="es-PE" dirty="0" smtClean="0">
+                <a:solidFill>
+                  <a:srgbClr val="F6FB39"/>
+                </a:solidFill>
+              </a:rPr>
               <a:t>¿Qué se propone?</a:t>
             </a:r>
-            <a:endParaRPr lang="es-PE" dirty="0"/>
+            <a:endParaRPr lang="es-PE" dirty="0">
+              <a:solidFill>
+                <a:srgbClr val="F6FB39"/>
+              </a:solidFill>
+            </a:endParaRPr>
           </a:p>
         </p:txBody>
       </p:sp>
@@ -37638,14 +38090,26 @@
           <a:lstStyle/>
           <a:p>
             <a:r>
-              <a:rPr lang="es-ES" sz="3000" dirty="0"/>
+              <a:rPr lang="es-ES" sz="3000" dirty="0">
+                <a:solidFill>
+                  <a:srgbClr val="F6FB39"/>
+                </a:solidFill>
+              </a:rPr>
               <a:t>Proyecto Profesional “Modelo de Negocios Empresarial de la Oficina Central de Fe y Alegría</a:t>
             </a:r>
             <a:r>
-              <a:rPr lang="es-ES" sz="3000" dirty="0" smtClean="0"/>
+              <a:rPr lang="es-ES" sz="3000" dirty="0" smtClean="0">
+                <a:solidFill>
+                  <a:srgbClr val="F6FB39"/>
+                </a:solidFill>
+              </a:rPr>
               <a:t>”</a:t>
             </a:r>
-            <a:endParaRPr lang="es-PE" sz="3000" dirty="0"/>
+            <a:endParaRPr lang="es-PE" sz="3000" dirty="0">
+              <a:solidFill>
+                <a:srgbClr val="F6FB39"/>
+              </a:solidFill>
+            </a:endParaRPr>
           </a:p>
         </p:txBody>
       </p:sp>
@@ -38081,7 +38545,11 @@
           <a:lstStyle/>
           <a:p>
             <a:r>
-              <a:rPr lang="es-PE" sz="3000" dirty="0"/>
+              <a:rPr lang="es-PE" sz="3000" dirty="0">
+                <a:solidFill>
+                  <a:srgbClr val="F6FB39"/>
+                </a:solidFill>
+              </a:rPr>
               <a:t>Proyecto Profesional “Modelo de Negocios Empresarial de la Oficina Central de Fe y Alegría”</a:t>
             </a:r>
           </a:p>
@@ -39317,10 +39785,18 @@
           <a:lstStyle/>
           <a:p>
             <a:r>
-              <a:rPr lang="es-PE" dirty="0" smtClean="0"/>
+              <a:rPr lang="es-PE" dirty="0" smtClean="0">
+                <a:solidFill>
+                  <a:srgbClr val="F6FB39"/>
+                </a:solidFill>
+              </a:rPr>
               <a:t>El Proyecto</a:t>
             </a:r>
-            <a:endParaRPr lang="es-PE" dirty="0"/>
+            <a:endParaRPr lang="es-PE" dirty="0">
+              <a:solidFill>
+                <a:srgbClr val="F6FB39"/>
+              </a:solidFill>
+            </a:endParaRPr>
           </a:p>
         </p:txBody>
       </p:sp>

--- a/Presentacion Final Ciclo 2011-1/Presentación Semana 17 Arreglado.pptx
+++ b/Presentacion Final Ciclo 2011-1/Presentación Semana 17 Arreglado.pptx
@@ -7070,7 +7070,7 @@
               <a:pPr>
                 <a:defRPr/>
               </a:pPr>
-              <a:t>11/07/2011</a:t>
+              <a:t>12/07/2011</a:t>
             </a:fld>
             <a:endParaRPr lang="es-ES" dirty="0"/>
           </a:p>
@@ -7271,7 +7271,7 @@
               <a:pPr>
                 <a:defRPr/>
               </a:pPr>
-              <a:t>11/07/2011</a:t>
+              <a:t>12/07/2011</a:t>
             </a:fld>
             <a:endParaRPr lang="es-PE" dirty="0"/>
           </a:p>
@@ -9105,16 +9105,6 @@
           <a:bodyPr/>
           <a:lstStyle/>
           <a:p>
-            <a:r>
-              <a:rPr lang="es-PE" dirty="0" smtClean="0"/>
-              <a:t>Grafico  inferior  quita  espacio  valiosos al texto ….que</a:t>
-            </a:r>
-            <a:r>
-              <a:rPr lang="es-PE" baseline="0" dirty="0" smtClean="0"/>
-              <a:t>  esta muy cargado aun</a:t>
-            </a:r>
-          </a:p>
-          <a:p>
             <a:endParaRPr lang="es-PE" dirty="0"/>
           </a:p>
         </p:txBody>
@@ -9682,7 +9672,7 @@
               <a:pPr>
                 <a:defRPr/>
               </a:pPr>
-              <a:t>11/07/2011</a:t>
+              <a:t>12/07/2011</a:t>
             </a:fld>
             <a:endParaRPr lang="es-PE" dirty="0"/>
           </a:p>
@@ -9899,7 +9889,7 @@
               <a:pPr>
                 <a:defRPr/>
               </a:pPr>
-              <a:t>11/07/2011</a:t>
+              <a:t>12/07/2011</a:t>
             </a:fld>
             <a:endParaRPr lang="es-PE" dirty="0"/>
           </a:p>
@@ -10234,7 +10224,7 @@
               <a:pPr>
                 <a:defRPr/>
               </a:pPr>
-              <a:t>11/07/2011</a:t>
+              <a:t>12/07/2011</a:t>
             </a:fld>
             <a:endParaRPr lang="es-PE" dirty="0"/>
           </a:p>
@@ -10426,7 +10416,7 @@
               <a:pPr>
                 <a:defRPr/>
               </a:pPr>
-              <a:t>11/07/2011</a:t>
+              <a:t>12/07/2011</a:t>
             </a:fld>
             <a:endParaRPr lang="es-PE" dirty="0"/>
           </a:p>
@@ -10551,7 +10541,7 @@
               <a:pPr>
                 <a:defRPr/>
               </a:pPr>
-              <a:t>11/07/2011</a:t>
+              <a:t>12/07/2011</a:t>
             </a:fld>
             <a:endParaRPr lang="es-PE" dirty="0"/>
           </a:p>
@@ -10765,7 +10755,7 @@
               <a:pPr>
                 <a:defRPr/>
               </a:pPr>
-              <a:t>11/07/2011</a:t>
+              <a:t>12/07/2011</a:t>
             </a:fld>
             <a:endParaRPr lang="es-PE" dirty="0"/>
           </a:p>
@@ -11167,7 +11157,7 @@
               <a:pPr>
                 <a:defRPr/>
               </a:pPr>
-              <a:t>11/07/2011</a:t>
+              <a:t>12/07/2011</a:t>
             </a:fld>
             <a:endParaRPr lang="es-PE" dirty="0"/>
           </a:p>
@@ -11502,7 +11492,7 @@
               <a:pPr>
                 <a:defRPr/>
               </a:pPr>
-              <a:t>11/07/2011</a:t>
+              <a:t>12/07/2011</a:t>
             </a:fld>
             <a:endParaRPr lang="es-PE" dirty="0"/>
           </a:p>
@@ -11954,7 +11944,7 @@
               <a:pPr>
                 <a:defRPr/>
               </a:pPr>
-              <a:t>11/07/2011</a:t>
+              <a:t>12/07/2011</a:t>
             </a:fld>
             <a:endParaRPr lang="es-PE" dirty="0"/>
           </a:p>
@@ -12099,7 +12089,7 @@
               <a:pPr>
                 <a:defRPr/>
               </a:pPr>
-              <a:t>11/07/2011</a:t>
+              <a:t>12/07/2011</a:t>
             </a:fld>
             <a:endParaRPr lang="es-PE" dirty="0"/>
           </a:p>
@@ -12251,7 +12241,7 @@
               <a:pPr>
                 <a:defRPr/>
               </a:pPr>
-              <a:t>11/07/2011</a:t>
+              <a:t>12/07/2011</a:t>
             </a:fld>
             <a:endParaRPr lang="es-PE" dirty="0"/>
           </a:p>
@@ -12808,7 +12798,7 @@
               <a:pPr>
                 <a:defRPr/>
               </a:pPr>
-              <a:t>11/07/2011</a:t>
+              <a:t>12/07/2011</a:t>
             </a:fld>
             <a:endParaRPr lang="es-PE" dirty="0"/>
           </a:p>
@@ -13395,7 +13385,7 @@
               <a:pPr>
                 <a:defRPr/>
               </a:pPr>
-              <a:t>11/07/2011</a:t>
+              <a:t>12/07/2011</a:t>
             </a:fld>
             <a:endParaRPr lang="es-PE" dirty="0"/>
           </a:p>
@@ -13779,7 +13769,7 @@
               <a:pPr>
                 <a:defRPr/>
               </a:pPr>
-              <a:t>11/07/2011</a:t>
+              <a:t>12/07/2011</a:t>
             </a:fld>
             <a:endParaRPr lang="es-PE" dirty="0"/>
           </a:p>

--- a/Presentacion Final Ciclo 2011-1/Presentación Semana 17 Arreglado.pptx
+++ b/Presentacion Final Ciclo 2011-1/Presentación Semana 17 Arreglado.pptx
@@ -5,10 +5,10 @@
     <p:sldMasterId id="2147483684" r:id="rId1"/>
   </p:sldMasterIdLst>
   <p:notesMasterIdLst>
-    <p:notesMasterId r:id="rId44"/>
+    <p:notesMasterId r:id="rId45"/>
   </p:notesMasterIdLst>
   <p:handoutMasterIdLst>
-    <p:handoutMasterId r:id="rId45"/>
+    <p:handoutMasterId r:id="rId46"/>
   </p:handoutMasterIdLst>
   <p:sldIdLst>
     <p:sldId id="256" r:id="rId2"/>
@@ -44,15 +44,16 @@
     <p:sldId id="274" r:id="rId32"/>
     <p:sldId id="280" r:id="rId33"/>
     <p:sldId id="285" r:id="rId34"/>
-    <p:sldId id="290" r:id="rId35"/>
-    <p:sldId id="291" r:id="rId36"/>
-    <p:sldId id="292" r:id="rId37"/>
-    <p:sldId id="293" r:id="rId38"/>
-    <p:sldId id="299" r:id="rId39"/>
-    <p:sldId id="300" r:id="rId40"/>
-    <p:sldId id="297" r:id="rId41"/>
-    <p:sldId id="295" r:id="rId42"/>
-    <p:sldId id="298" r:id="rId43"/>
+    <p:sldId id="301" r:id="rId35"/>
+    <p:sldId id="290" r:id="rId36"/>
+    <p:sldId id="291" r:id="rId37"/>
+    <p:sldId id="292" r:id="rId38"/>
+    <p:sldId id="293" r:id="rId39"/>
+    <p:sldId id="299" r:id="rId40"/>
+    <p:sldId id="300" r:id="rId41"/>
+    <p:sldId id="297" r:id="rId42"/>
+    <p:sldId id="295" r:id="rId43"/>
+    <p:sldId id="298" r:id="rId44"/>
   </p:sldIdLst>
   <p:sldSz cx="9144000" cy="6858000" type="screen4x3"/>
   <p:notesSz cx="10020300" cy="6888163"/>
@@ -8480,7 +8481,7 @@
               <a:pPr>
                 <a:defRPr/>
               </a:pPr>
-              <a:t>35</a:t>
+              <a:t>36</a:t>
             </a:fld>
             <a:endParaRPr lang="es-PE" dirty="0"/>
           </a:p>
@@ -8570,7 +8571,7 @@
               <a:pPr>
                 <a:defRPr/>
               </a:pPr>
-              <a:t>37</a:t>
+              <a:t>38</a:t>
             </a:fld>
             <a:endParaRPr lang="es-PE" dirty="0"/>
           </a:p>
@@ -34739,6 +34740,1522 @@
       </p:grpSpPr>
       <p:sp>
         <p:nvSpPr>
+          <p:cNvPr id="2" name="Title 1"/>
+          <p:cNvSpPr>
+            <a:spLocks noGrp="1"/>
+          </p:cNvSpPr>
+          <p:nvPr>
+            <p:ph type="title"/>
+          </p:nvPr>
+        </p:nvSpPr>
+        <p:spPr/>
+        <p:txBody>
+          <a:bodyPr>
+            <a:normAutofit/>
+          </a:bodyPr>
+          <a:lstStyle/>
+          <a:p>
+            <a:pPr>
+              <a:defRPr/>
+            </a:pPr>
+            <a:r>
+              <a:rPr lang="es-PE" sz="4700" dirty="0">
+                <a:solidFill>
+                  <a:srgbClr val="F6FB39"/>
+                </a:solidFill>
+              </a:rPr>
+              <a:t>Riesgos</a:t>
+            </a:r>
+            <a:endParaRPr lang="es-ES" sz="4700" dirty="0">
+              <a:solidFill>
+                <a:srgbClr val="F6FB39"/>
+              </a:solidFill>
+            </a:endParaRPr>
+          </a:p>
+        </p:txBody>
+      </p:sp>
+      <p:graphicFrame>
+        <p:nvGraphicFramePr>
+          <p:cNvPr id="6" name="Table Placeholder 5"/>
+          <p:cNvGraphicFramePr>
+            <a:graphicFrameLocks noGrp="1"/>
+          </p:cNvGraphicFramePr>
+          <p:nvPr>
+            <p:ph type="tbl" idx="1"/>
+            <p:extLst>
+              <p:ext uri="{D42A27DB-BD31-4B8C-83A1-F6EECF244321}">
+                <p14:modId xmlns:p14="http://schemas.microsoft.com/office/powerpoint/2010/main" val="3298907907"/>
+              </p:ext>
+            </p:extLst>
+          </p:nvPr>
+        </p:nvGraphicFramePr>
+        <p:xfrm>
+          <a:off x="467543" y="1556792"/>
+          <a:ext cx="7992888" cy="4974165"/>
+        </p:xfrm>
+        <a:graphic>
+          <a:graphicData uri="http://schemas.openxmlformats.org/drawingml/2006/table">
+            <a:tbl>
+              <a:tblPr firstRow="1" bandRow="1">
+                <a:tableStyleId>{7E9639D4-E3E2-4D34-9284-5A2195B3D0D7}</a:tableStyleId>
+              </a:tblPr>
+              <a:tblGrid>
+                <a:gridCol w="6552728"/>
+                <a:gridCol w="1440160"/>
+              </a:tblGrid>
+              <a:tr h="585045">
+                <a:tc>
+                  <a:txBody>
+                    <a:bodyPr/>
+                    <a:lstStyle/>
+                    <a:p>
+                      <a:pPr algn="ctr"/>
+                      <a:r>
+                        <a:rPr lang="es-PE" sz="1800" dirty="0" smtClean="0"/>
+                        <a:t>RIESGOS</a:t>
+                      </a:r>
+                      <a:endParaRPr lang="es-ES" sz="1800" dirty="0"/>
+                    </a:p>
+                  </a:txBody>
+                  <a:tcPr anchor="ctr">
+                    <a:lnL w="12700" cap="flat" cmpd="sng" algn="ctr">
+                      <a:solidFill>
+                        <a:schemeClr val="tx1"/>
+                      </a:solidFill>
+                      <a:prstDash val="solid"/>
+                      <a:round/>
+                      <a:headEnd type="none" w="med" len="med"/>
+                      <a:tailEnd type="none" w="med" len="med"/>
+                    </a:lnL>
+                    <a:lnR w="12700" cap="flat" cmpd="sng" algn="ctr">
+                      <a:solidFill>
+                        <a:schemeClr val="tx1"/>
+                      </a:solidFill>
+                      <a:prstDash val="solid"/>
+                      <a:round/>
+                      <a:headEnd type="none" w="med" len="med"/>
+                      <a:tailEnd type="none" w="med" len="med"/>
+                    </a:lnR>
+                    <a:lnT w="12700" cap="flat" cmpd="sng" algn="ctr">
+                      <a:solidFill>
+                        <a:schemeClr val="tx1"/>
+                      </a:solidFill>
+                      <a:prstDash val="solid"/>
+                      <a:round/>
+                      <a:headEnd type="none" w="med" len="med"/>
+                      <a:tailEnd type="none" w="med" len="med"/>
+                    </a:lnT>
+                    <a:lnB w="12700" cap="flat" cmpd="sng" algn="ctr">
+                      <a:solidFill>
+                        <a:schemeClr val="tx1"/>
+                      </a:solidFill>
+                      <a:prstDash val="solid"/>
+                      <a:round/>
+                      <a:headEnd type="none" w="med" len="med"/>
+                      <a:tailEnd type="none" w="med" len="med"/>
+                    </a:lnB>
+                    <a:lnTlToBr w="12700" cmpd="sng">
+                      <a:noFill/>
+                      <a:prstDash val="solid"/>
+                    </a:lnTlToBr>
+                    <a:lnBlToTr w="12700" cmpd="sng">
+                      <a:noFill/>
+                      <a:prstDash val="solid"/>
+                    </a:lnBlToTr>
+                  </a:tcPr>
+                </a:tc>
+                <a:tc>
+                  <a:txBody>
+                    <a:bodyPr/>
+                    <a:lstStyle/>
+                    <a:p>
+                      <a:pPr algn="ctr"/>
+                      <a:r>
+                        <a:rPr lang="es-PE" sz="1800" dirty="0" smtClean="0"/>
+                        <a:t>MITIGADO</a:t>
+                      </a:r>
+                      <a:endParaRPr lang="es-ES" sz="1800" dirty="0"/>
+                    </a:p>
+                  </a:txBody>
+                  <a:tcPr anchor="ctr">
+                    <a:lnL w="12700" cap="flat" cmpd="sng" algn="ctr">
+                      <a:solidFill>
+                        <a:schemeClr val="tx1"/>
+                      </a:solidFill>
+                      <a:prstDash val="solid"/>
+                      <a:round/>
+                      <a:headEnd type="none" w="med" len="med"/>
+                      <a:tailEnd type="none" w="med" len="med"/>
+                    </a:lnL>
+                    <a:lnR w="12700" cap="flat" cmpd="sng" algn="ctr">
+                      <a:solidFill>
+                        <a:schemeClr val="tx1"/>
+                      </a:solidFill>
+                      <a:prstDash val="solid"/>
+                      <a:round/>
+                      <a:headEnd type="none" w="med" len="med"/>
+                      <a:tailEnd type="none" w="med" len="med"/>
+                    </a:lnR>
+                    <a:lnT w="12700" cap="flat" cmpd="sng" algn="ctr">
+                      <a:solidFill>
+                        <a:schemeClr val="tx1"/>
+                      </a:solidFill>
+                      <a:prstDash val="solid"/>
+                      <a:round/>
+                      <a:headEnd type="none" w="med" len="med"/>
+                      <a:tailEnd type="none" w="med" len="med"/>
+                    </a:lnT>
+                    <a:lnB w="12700" cap="flat" cmpd="sng" algn="ctr">
+                      <a:solidFill>
+                        <a:schemeClr val="tx1"/>
+                      </a:solidFill>
+                      <a:prstDash val="solid"/>
+                      <a:round/>
+                      <a:headEnd type="none" w="med" len="med"/>
+                      <a:tailEnd type="none" w="med" len="med"/>
+                    </a:lnB>
+                    <a:lnTlToBr w="12700" cmpd="sng">
+                      <a:noFill/>
+                      <a:prstDash val="solid"/>
+                    </a:lnTlToBr>
+                    <a:lnBlToTr w="12700" cmpd="sng">
+                      <a:noFill/>
+                      <a:prstDash val="solid"/>
+                    </a:lnBlToTr>
+                  </a:tcPr>
+                </a:tc>
+              </a:tr>
+              <a:tr h="588326">
+                <a:tc>
+                  <a:txBody>
+                    <a:bodyPr/>
+                    <a:lstStyle/>
+                    <a:p>
+                      <a:pPr marL="0" lvl="0" indent="0" algn="just">
+                        <a:lnSpc>
+                          <a:spcPct val="150000"/>
+                        </a:lnSpc>
+                        <a:spcAft>
+                          <a:spcPts val="0"/>
+                        </a:spcAft>
+                        <a:buFont typeface="Symbol"/>
+                        <a:buNone/>
+                      </a:pPr>
+                      <a:r>
+                        <a:rPr lang="es-ES" sz="1600" dirty="0" smtClean="0">
+                          <a:effectLst/>
+                        </a:rPr>
+                        <a:t>Falta de colaboración por parte de las autoridades de la Oficina Central de Fe y Alegría para ofrecer la información necesaria para el desarrollo del proyecto “Arquitectura de Negocios de la Oficina Central de Fe y Alegría Perú”.</a:t>
+                      </a:r>
+                      <a:endParaRPr lang="es-PE" sz="1600" dirty="0" smtClean="0">
+                        <a:effectLst/>
+                        <a:latin typeface="Times New Roman"/>
+                        <a:ea typeface="Times New Roman"/>
+                      </a:endParaRPr>
+                    </a:p>
+                  </a:txBody>
+                  <a:tcPr marL="68580" marR="68580" marT="0" marB="0" anchor="ctr">
+                    <a:lnL w="12700" cap="flat" cmpd="sng" algn="ctr">
+                      <a:solidFill>
+                        <a:schemeClr val="tx1"/>
+                      </a:solidFill>
+                      <a:prstDash val="solid"/>
+                      <a:round/>
+                      <a:headEnd type="none" w="med" len="med"/>
+                      <a:tailEnd type="none" w="med" len="med"/>
+                    </a:lnL>
+                    <a:lnR w="12700" cap="flat" cmpd="sng" algn="ctr">
+                      <a:solidFill>
+                        <a:schemeClr val="tx1"/>
+                      </a:solidFill>
+                      <a:prstDash val="solid"/>
+                      <a:round/>
+                      <a:headEnd type="none" w="med" len="med"/>
+                      <a:tailEnd type="none" w="med" len="med"/>
+                    </a:lnR>
+                    <a:lnT w="12700" cap="flat" cmpd="sng" algn="ctr">
+                      <a:solidFill>
+                        <a:schemeClr val="tx1"/>
+                      </a:solidFill>
+                      <a:prstDash val="solid"/>
+                      <a:round/>
+                      <a:headEnd type="none" w="med" len="med"/>
+                      <a:tailEnd type="none" w="med" len="med"/>
+                    </a:lnT>
+                    <a:lnB w="12700" cap="flat" cmpd="sng" algn="ctr">
+                      <a:solidFill>
+                        <a:schemeClr val="tx1"/>
+                      </a:solidFill>
+                      <a:prstDash val="solid"/>
+                      <a:round/>
+                      <a:headEnd type="none" w="med" len="med"/>
+                      <a:tailEnd type="none" w="med" len="med"/>
+                    </a:lnB>
+                    <a:lnTlToBr w="12700" cmpd="sng">
+                      <a:noFill/>
+                      <a:prstDash val="solid"/>
+                    </a:lnTlToBr>
+                    <a:lnBlToTr w="12700" cmpd="sng">
+                      <a:noFill/>
+                      <a:prstDash val="solid"/>
+                    </a:lnBlToTr>
+                  </a:tcPr>
+                </a:tc>
+                <a:tc>
+                  <a:txBody>
+                    <a:bodyPr/>
+                    <a:lstStyle/>
+                    <a:p>
+                      <a:pPr marL="73025" algn="l">
+                        <a:lnSpc>
+                          <a:spcPts val="1500"/>
+                        </a:lnSpc>
+                        <a:spcAft>
+                          <a:spcPts val="1000"/>
+                        </a:spcAft>
+                      </a:pPr>
+                      <a:endParaRPr lang="es-ES" sz="2000" dirty="0">
+                        <a:latin typeface="Arial"/>
+                        <a:ea typeface="Times New Roman"/>
+                        <a:cs typeface="Times New Roman"/>
+                      </a:endParaRPr>
+                    </a:p>
+                  </a:txBody>
+                  <a:tcPr marL="68580" marR="68580" marT="0" marB="0" anchor="ctr">
+                    <a:lnL w="12700" cap="flat" cmpd="sng" algn="ctr">
+                      <a:solidFill>
+                        <a:schemeClr val="tx1"/>
+                      </a:solidFill>
+                      <a:prstDash val="solid"/>
+                      <a:round/>
+                      <a:headEnd type="none" w="med" len="med"/>
+                      <a:tailEnd type="none" w="med" len="med"/>
+                    </a:lnL>
+                    <a:lnR w="12700" cap="flat" cmpd="sng" algn="ctr">
+                      <a:solidFill>
+                        <a:schemeClr val="tx1"/>
+                      </a:solidFill>
+                      <a:prstDash val="solid"/>
+                      <a:round/>
+                      <a:headEnd type="none" w="med" len="med"/>
+                      <a:tailEnd type="none" w="med" len="med"/>
+                    </a:lnR>
+                    <a:lnT w="12700" cap="flat" cmpd="sng" algn="ctr">
+                      <a:solidFill>
+                        <a:schemeClr val="tx1"/>
+                      </a:solidFill>
+                      <a:prstDash val="solid"/>
+                      <a:round/>
+                      <a:headEnd type="none" w="med" len="med"/>
+                      <a:tailEnd type="none" w="med" len="med"/>
+                    </a:lnT>
+                    <a:lnB w="12700" cap="flat" cmpd="sng" algn="ctr">
+                      <a:solidFill>
+                        <a:schemeClr val="tx1"/>
+                      </a:solidFill>
+                      <a:prstDash val="solid"/>
+                      <a:round/>
+                      <a:headEnd type="none" w="med" len="med"/>
+                      <a:tailEnd type="none" w="med" len="med"/>
+                    </a:lnB>
+                    <a:lnTlToBr w="12700" cmpd="sng">
+                      <a:noFill/>
+                      <a:prstDash val="solid"/>
+                    </a:lnTlToBr>
+                    <a:lnBlToTr w="12700" cmpd="sng">
+                      <a:noFill/>
+                      <a:prstDash val="solid"/>
+                    </a:lnBlToTr>
+                  </a:tcPr>
+                </a:tc>
+              </a:tr>
+              <a:tr h="588326">
+                <a:tc>
+                  <a:txBody>
+                    <a:bodyPr/>
+                    <a:lstStyle/>
+                    <a:p>
+                      <a:pPr marL="0" lvl="0" indent="0" algn="just">
+                        <a:lnSpc>
+                          <a:spcPct val="150000"/>
+                        </a:lnSpc>
+                        <a:spcAft>
+                          <a:spcPts val="0"/>
+                        </a:spcAft>
+                        <a:buFont typeface="Symbol"/>
+                        <a:buNone/>
+                      </a:pPr>
+                      <a:r>
+                        <a:rPr lang="es-ES" sz="1600" dirty="0" smtClean="0">
+                          <a:effectLst/>
+                        </a:rPr>
+                        <a:t>Mayor complejidad de la prevista en el desarrollo e integración de todos los procesos de negocio empresarial de la Oficina Central de Fe y Alegría Perú. </a:t>
+                      </a:r>
+                      <a:endParaRPr lang="es-PE" sz="1600" dirty="0" smtClean="0">
+                        <a:solidFill>
+                          <a:srgbClr val="000000"/>
+                        </a:solidFill>
+                        <a:effectLst/>
+                        <a:latin typeface="Times New Roman"/>
+                        <a:ea typeface="Times New Roman"/>
+                      </a:endParaRPr>
+                    </a:p>
+                  </a:txBody>
+                  <a:tcPr marL="68580" marR="68580" marT="0" marB="0" anchor="ctr">
+                    <a:lnL w="12700" cap="flat" cmpd="sng" algn="ctr">
+                      <a:solidFill>
+                        <a:schemeClr val="tx1"/>
+                      </a:solidFill>
+                      <a:prstDash val="solid"/>
+                      <a:round/>
+                      <a:headEnd type="none" w="med" len="med"/>
+                      <a:tailEnd type="none" w="med" len="med"/>
+                    </a:lnL>
+                    <a:lnR w="12700" cap="flat" cmpd="sng" algn="ctr">
+                      <a:solidFill>
+                        <a:schemeClr val="tx1"/>
+                      </a:solidFill>
+                      <a:prstDash val="solid"/>
+                      <a:round/>
+                      <a:headEnd type="none" w="med" len="med"/>
+                      <a:tailEnd type="none" w="med" len="med"/>
+                    </a:lnR>
+                    <a:lnT w="12700" cap="flat" cmpd="sng" algn="ctr">
+                      <a:solidFill>
+                        <a:schemeClr val="tx1"/>
+                      </a:solidFill>
+                      <a:prstDash val="solid"/>
+                      <a:round/>
+                      <a:headEnd type="none" w="med" len="med"/>
+                      <a:tailEnd type="none" w="med" len="med"/>
+                    </a:lnT>
+                    <a:lnB w="12700" cap="flat" cmpd="sng" algn="ctr">
+                      <a:solidFill>
+                        <a:schemeClr val="tx1"/>
+                      </a:solidFill>
+                      <a:prstDash val="solid"/>
+                      <a:round/>
+                      <a:headEnd type="none" w="med" len="med"/>
+                      <a:tailEnd type="none" w="med" len="med"/>
+                    </a:lnB>
+                    <a:lnTlToBr w="12700" cmpd="sng">
+                      <a:noFill/>
+                      <a:prstDash val="solid"/>
+                    </a:lnTlToBr>
+                    <a:lnBlToTr w="12700" cmpd="sng">
+                      <a:noFill/>
+                      <a:prstDash val="solid"/>
+                    </a:lnBlToTr>
+                  </a:tcPr>
+                </a:tc>
+                <a:tc>
+                  <a:txBody>
+                    <a:bodyPr/>
+                    <a:lstStyle/>
+                    <a:p>
+                      <a:pPr marL="73025" algn="l">
+                        <a:lnSpc>
+                          <a:spcPts val="1500"/>
+                        </a:lnSpc>
+                        <a:spcAft>
+                          <a:spcPts val="1000"/>
+                        </a:spcAft>
+                      </a:pPr>
+                      <a:endParaRPr lang="es-ES" sz="2000" dirty="0">
+                        <a:latin typeface="Arial"/>
+                        <a:ea typeface="Times New Roman"/>
+                        <a:cs typeface="Times New Roman"/>
+                      </a:endParaRPr>
+                    </a:p>
+                  </a:txBody>
+                  <a:tcPr marL="68580" marR="68580" marT="0" marB="0" anchor="ctr">
+                    <a:lnL w="12700" cap="flat" cmpd="sng" algn="ctr">
+                      <a:solidFill>
+                        <a:schemeClr val="tx1"/>
+                      </a:solidFill>
+                      <a:prstDash val="solid"/>
+                      <a:round/>
+                      <a:headEnd type="none" w="med" len="med"/>
+                      <a:tailEnd type="none" w="med" len="med"/>
+                    </a:lnL>
+                    <a:lnR w="12700" cap="flat" cmpd="sng" algn="ctr">
+                      <a:solidFill>
+                        <a:schemeClr val="tx1"/>
+                      </a:solidFill>
+                      <a:prstDash val="solid"/>
+                      <a:round/>
+                      <a:headEnd type="none" w="med" len="med"/>
+                      <a:tailEnd type="none" w="med" len="med"/>
+                    </a:lnR>
+                    <a:lnT w="12700" cap="flat" cmpd="sng" algn="ctr">
+                      <a:solidFill>
+                        <a:schemeClr val="tx1"/>
+                      </a:solidFill>
+                      <a:prstDash val="solid"/>
+                      <a:round/>
+                      <a:headEnd type="none" w="med" len="med"/>
+                      <a:tailEnd type="none" w="med" len="med"/>
+                    </a:lnT>
+                    <a:lnB w="12700" cap="flat" cmpd="sng" algn="ctr">
+                      <a:solidFill>
+                        <a:schemeClr val="tx1"/>
+                      </a:solidFill>
+                      <a:prstDash val="solid"/>
+                      <a:round/>
+                      <a:headEnd type="none" w="med" len="med"/>
+                      <a:tailEnd type="none" w="med" len="med"/>
+                    </a:lnB>
+                    <a:lnTlToBr w="12700" cmpd="sng">
+                      <a:noFill/>
+                      <a:prstDash val="solid"/>
+                    </a:lnTlToBr>
+                    <a:lnBlToTr w="12700" cmpd="sng">
+                      <a:noFill/>
+                      <a:prstDash val="solid"/>
+                    </a:lnBlToTr>
+                  </a:tcPr>
+                </a:tc>
+              </a:tr>
+              <a:tr h="588326">
+                <a:tc>
+                  <a:txBody>
+                    <a:bodyPr/>
+                    <a:lstStyle/>
+                    <a:p>
+                      <a:pPr marL="0" lvl="0" indent="0" algn="just">
+                        <a:lnSpc>
+                          <a:spcPct val="150000"/>
+                        </a:lnSpc>
+                        <a:spcAft>
+                          <a:spcPts val="0"/>
+                        </a:spcAft>
+                        <a:buFont typeface="Symbol"/>
+                        <a:buNone/>
+                      </a:pPr>
+                      <a:r>
+                        <a:rPr lang="es-ES" sz="1600" dirty="0" smtClean="0">
+                          <a:effectLst/>
+                        </a:rPr>
+                        <a:t>Carencia de recursos asignados al proyecto por parte de la Gerencia de Proyectos y Recursos Humanos de la Empresa Virtual Educa-T.</a:t>
+                      </a:r>
+                      <a:endParaRPr lang="es-PE" sz="1600" dirty="0" smtClean="0">
+                        <a:solidFill>
+                          <a:srgbClr val="000000"/>
+                        </a:solidFill>
+                        <a:effectLst/>
+                        <a:latin typeface="Times New Roman"/>
+                        <a:ea typeface="Times New Roman"/>
+                      </a:endParaRPr>
+                    </a:p>
+                  </a:txBody>
+                  <a:tcPr marL="68580" marR="68580" marT="0" marB="0" anchor="ctr">
+                    <a:lnL w="12700" cap="flat" cmpd="sng" algn="ctr">
+                      <a:solidFill>
+                        <a:schemeClr val="tx1"/>
+                      </a:solidFill>
+                      <a:prstDash val="solid"/>
+                      <a:round/>
+                      <a:headEnd type="none" w="med" len="med"/>
+                      <a:tailEnd type="none" w="med" len="med"/>
+                    </a:lnL>
+                    <a:lnR w="12700" cap="flat" cmpd="sng" algn="ctr">
+                      <a:solidFill>
+                        <a:schemeClr val="tx1"/>
+                      </a:solidFill>
+                      <a:prstDash val="solid"/>
+                      <a:round/>
+                      <a:headEnd type="none" w="med" len="med"/>
+                      <a:tailEnd type="none" w="med" len="med"/>
+                    </a:lnR>
+                    <a:lnT w="12700" cap="flat" cmpd="sng" algn="ctr">
+                      <a:solidFill>
+                        <a:schemeClr val="tx1"/>
+                      </a:solidFill>
+                      <a:prstDash val="solid"/>
+                      <a:round/>
+                      <a:headEnd type="none" w="med" len="med"/>
+                      <a:tailEnd type="none" w="med" len="med"/>
+                    </a:lnT>
+                    <a:lnB w="12700" cap="flat" cmpd="sng" algn="ctr">
+                      <a:solidFill>
+                        <a:schemeClr val="tx1"/>
+                      </a:solidFill>
+                      <a:prstDash val="solid"/>
+                      <a:round/>
+                      <a:headEnd type="none" w="med" len="med"/>
+                      <a:tailEnd type="none" w="med" len="med"/>
+                    </a:lnB>
+                    <a:lnTlToBr w="12700" cmpd="sng">
+                      <a:noFill/>
+                      <a:prstDash val="solid"/>
+                    </a:lnTlToBr>
+                    <a:lnBlToTr w="12700" cmpd="sng">
+                      <a:noFill/>
+                      <a:prstDash val="solid"/>
+                    </a:lnBlToTr>
+                  </a:tcPr>
+                </a:tc>
+                <a:tc>
+                  <a:txBody>
+                    <a:bodyPr/>
+                    <a:lstStyle/>
+                    <a:p>
+                      <a:pPr marL="33655" algn="l">
+                        <a:lnSpc>
+                          <a:spcPts val="1500"/>
+                        </a:lnSpc>
+                        <a:spcAft>
+                          <a:spcPts val="1000"/>
+                        </a:spcAft>
+                        <a:tabLst>
+                          <a:tab pos="900430" algn="l"/>
+                        </a:tabLst>
+                      </a:pPr>
+                      <a:endParaRPr lang="es-ES" sz="2000" dirty="0">
+                        <a:latin typeface="Arial"/>
+                        <a:ea typeface="Times New Roman"/>
+                        <a:cs typeface="Times New Roman"/>
+                      </a:endParaRPr>
+                    </a:p>
+                  </a:txBody>
+                  <a:tcPr marL="68580" marR="68580" marT="0" marB="0" anchor="ctr">
+                    <a:lnL w="12700" cap="flat" cmpd="sng" algn="ctr">
+                      <a:solidFill>
+                        <a:schemeClr val="tx1"/>
+                      </a:solidFill>
+                      <a:prstDash val="solid"/>
+                      <a:round/>
+                      <a:headEnd type="none" w="med" len="med"/>
+                      <a:tailEnd type="none" w="med" len="med"/>
+                    </a:lnL>
+                    <a:lnR w="12700" cap="flat" cmpd="sng" algn="ctr">
+                      <a:solidFill>
+                        <a:schemeClr val="tx1"/>
+                      </a:solidFill>
+                      <a:prstDash val="solid"/>
+                      <a:round/>
+                      <a:headEnd type="none" w="med" len="med"/>
+                      <a:tailEnd type="none" w="med" len="med"/>
+                    </a:lnR>
+                    <a:lnT w="12700" cap="flat" cmpd="sng" algn="ctr">
+                      <a:solidFill>
+                        <a:schemeClr val="tx1"/>
+                      </a:solidFill>
+                      <a:prstDash val="solid"/>
+                      <a:round/>
+                      <a:headEnd type="none" w="med" len="med"/>
+                      <a:tailEnd type="none" w="med" len="med"/>
+                    </a:lnT>
+                    <a:lnB w="12700" cap="flat" cmpd="sng" algn="ctr">
+                      <a:solidFill>
+                        <a:schemeClr val="tx1"/>
+                      </a:solidFill>
+                      <a:prstDash val="solid"/>
+                      <a:round/>
+                      <a:headEnd type="none" w="med" len="med"/>
+                      <a:tailEnd type="none" w="med" len="med"/>
+                    </a:lnB>
+                    <a:lnTlToBr w="12700" cmpd="sng">
+                      <a:noFill/>
+                      <a:prstDash val="solid"/>
+                    </a:lnTlToBr>
+                    <a:lnBlToTr w="12700" cmpd="sng">
+                      <a:noFill/>
+                      <a:prstDash val="solid"/>
+                    </a:lnBlToTr>
+                  </a:tcPr>
+                </a:tc>
+              </a:tr>
+              <a:tr h="588326">
+                <a:tc>
+                  <a:txBody>
+                    <a:bodyPr/>
+                    <a:lstStyle/>
+                    <a:p>
+                      <a:pPr marL="0" lvl="0" indent="0" algn="just">
+                        <a:lnSpc>
+                          <a:spcPct val="150000"/>
+                        </a:lnSpc>
+                        <a:spcAft>
+                          <a:spcPts val="0"/>
+                        </a:spcAft>
+                        <a:buFont typeface="Symbol"/>
+                        <a:buNone/>
+                      </a:pPr>
+                      <a:r>
+                        <a:rPr lang="es-ES" sz="1600" dirty="0" smtClean="0">
+                          <a:effectLst/>
+                        </a:rPr>
+                        <a:t>Insatisfacción por parte del cliente con el trabajo realizado durante el Proyecto.</a:t>
+                      </a:r>
+                      <a:endParaRPr lang="es-PE" sz="1600" dirty="0" smtClean="0">
+                        <a:solidFill>
+                          <a:srgbClr val="000000"/>
+                        </a:solidFill>
+                        <a:effectLst/>
+                        <a:latin typeface="Times New Roman"/>
+                        <a:ea typeface="Times New Roman"/>
+                      </a:endParaRPr>
+                    </a:p>
+                  </a:txBody>
+                  <a:tcPr marL="68580" marR="68580" marT="0" marB="0" anchor="ctr">
+                    <a:lnL w="12700" cap="flat" cmpd="sng" algn="ctr">
+                      <a:solidFill>
+                        <a:schemeClr val="tx1"/>
+                      </a:solidFill>
+                      <a:prstDash val="solid"/>
+                      <a:round/>
+                      <a:headEnd type="none" w="med" len="med"/>
+                      <a:tailEnd type="none" w="med" len="med"/>
+                    </a:lnL>
+                    <a:lnR w="12700" cap="flat" cmpd="sng" algn="ctr">
+                      <a:solidFill>
+                        <a:schemeClr val="tx1"/>
+                      </a:solidFill>
+                      <a:prstDash val="solid"/>
+                      <a:round/>
+                      <a:headEnd type="none" w="med" len="med"/>
+                      <a:tailEnd type="none" w="med" len="med"/>
+                    </a:lnR>
+                    <a:lnT w="12700" cap="flat" cmpd="sng" algn="ctr">
+                      <a:solidFill>
+                        <a:schemeClr val="tx1"/>
+                      </a:solidFill>
+                      <a:prstDash val="solid"/>
+                      <a:round/>
+                      <a:headEnd type="none" w="med" len="med"/>
+                      <a:tailEnd type="none" w="med" len="med"/>
+                    </a:lnT>
+                    <a:lnB w="12700" cap="flat" cmpd="sng" algn="ctr">
+                      <a:solidFill>
+                        <a:schemeClr val="tx1"/>
+                      </a:solidFill>
+                      <a:prstDash val="solid"/>
+                      <a:round/>
+                      <a:headEnd type="none" w="med" len="med"/>
+                      <a:tailEnd type="none" w="med" len="med"/>
+                    </a:lnB>
+                    <a:lnTlToBr w="12700" cmpd="sng">
+                      <a:noFill/>
+                      <a:prstDash val="solid"/>
+                    </a:lnTlToBr>
+                    <a:lnBlToTr w="12700" cmpd="sng">
+                      <a:noFill/>
+                      <a:prstDash val="solid"/>
+                    </a:lnBlToTr>
+                  </a:tcPr>
+                </a:tc>
+                <a:tc>
+                  <a:txBody>
+                    <a:bodyPr/>
+                    <a:lstStyle/>
+                    <a:p>
+                      <a:pPr marL="33655" algn="l">
+                        <a:lnSpc>
+                          <a:spcPts val="1500"/>
+                        </a:lnSpc>
+                        <a:spcAft>
+                          <a:spcPts val="1000"/>
+                        </a:spcAft>
+                        <a:tabLst>
+                          <a:tab pos="900430" algn="l"/>
+                        </a:tabLst>
+                      </a:pPr>
+                      <a:endParaRPr lang="es-ES" sz="2000" dirty="0">
+                        <a:latin typeface="Arial"/>
+                        <a:ea typeface="Times New Roman"/>
+                        <a:cs typeface="Times New Roman"/>
+                      </a:endParaRPr>
+                    </a:p>
+                  </a:txBody>
+                  <a:tcPr marL="68580" marR="68580" marT="0" marB="0" anchor="ctr">
+                    <a:lnL w="12700" cap="flat" cmpd="sng" algn="ctr">
+                      <a:solidFill>
+                        <a:schemeClr val="tx1"/>
+                      </a:solidFill>
+                      <a:prstDash val="solid"/>
+                      <a:round/>
+                      <a:headEnd type="none" w="med" len="med"/>
+                      <a:tailEnd type="none" w="med" len="med"/>
+                    </a:lnL>
+                    <a:lnR w="12700" cap="flat" cmpd="sng" algn="ctr">
+                      <a:solidFill>
+                        <a:schemeClr val="tx1"/>
+                      </a:solidFill>
+                      <a:prstDash val="solid"/>
+                      <a:round/>
+                      <a:headEnd type="none" w="med" len="med"/>
+                      <a:tailEnd type="none" w="med" len="med"/>
+                    </a:lnR>
+                    <a:lnT w="12700" cap="flat" cmpd="sng" algn="ctr">
+                      <a:solidFill>
+                        <a:schemeClr val="tx1"/>
+                      </a:solidFill>
+                      <a:prstDash val="solid"/>
+                      <a:round/>
+                      <a:headEnd type="none" w="med" len="med"/>
+                      <a:tailEnd type="none" w="med" len="med"/>
+                    </a:lnT>
+                    <a:lnB w="12700" cap="flat" cmpd="sng" algn="ctr">
+                      <a:solidFill>
+                        <a:schemeClr val="tx1"/>
+                      </a:solidFill>
+                      <a:prstDash val="solid"/>
+                      <a:round/>
+                      <a:headEnd type="none" w="med" len="med"/>
+                      <a:tailEnd type="none" w="med" len="med"/>
+                    </a:lnB>
+                    <a:lnTlToBr w="12700" cmpd="sng">
+                      <a:noFill/>
+                      <a:prstDash val="solid"/>
+                    </a:lnTlToBr>
+                    <a:lnBlToTr w="12700" cmpd="sng">
+                      <a:noFill/>
+                      <a:prstDash val="solid"/>
+                    </a:lnBlToTr>
+                  </a:tcPr>
+                </a:tc>
+              </a:tr>
+              <a:tr h="588326">
+                <a:tc>
+                  <a:txBody>
+                    <a:bodyPr/>
+                    <a:lstStyle/>
+                    <a:p>
+                      <a:pPr marL="0" marR="0" lvl="0" indent="0" algn="just" defTabSz="914400" rtl="0" eaLnBrk="1" fontAlgn="auto" latinLnBrk="0" hangingPunct="1">
+                        <a:lnSpc>
+                          <a:spcPct val="150000"/>
+                        </a:lnSpc>
+                        <a:spcBef>
+                          <a:spcPts val="0"/>
+                        </a:spcBef>
+                        <a:spcAft>
+                          <a:spcPts val="0"/>
+                        </a:spcAft>
+                        <a:buClrTx/>
+                        <a:buSzTx/>
+                        <a:buFont typeface="Symbol"/>
+                        <a:buNone/>
+                        <a:tabLst/>
+                        <a:defRPr/>
+                      </a:pPr>
+                      <a:r>
+                        <a:rPr lang="es-ES" sz="1600" dirty="0" smtClean="0">
+                          <a:effectLst/>
+                        </a:rPr>
+                        <a:t>Cambios radicales en los procesos de la Oficina Central de Fe y Alegría después de que hayan sido modelados.</a:t>
+                      </a:r>
+                      <a:endParaRPr lang="es-PE" sz="1600" dirty="0" smtClean="0">
+                        <a:effectLst/>
+                        <a:latin typeface="Times New Roman"/>
+                        <a:ea typeface="Times New Roman"/>
+                      </a:endParaRPr>
+                    </a:p>
+                  </a:txBody>
+                  <a:tcPr marL="68580" marR="68580" marT="0" marB="0" anchor="ctr">
+                    <a:lnL w="12700" cap="flat" cmpd="sng" algn="ctr">
+                      <a:solidFill>
+                        <a:schemeClr val="tx1"/>
+                      </a:solidFill>
+                      <a:prstDash val="solid"/>
+                      <a:round/>
+                      <a:headEnd type="none" w="med" len="med"/>
+                      <a:tailEnd type="none" w="med" len="med"/>
+                    </a:lnL>
+                    <a:lnR w="12700" cap="flat" cmpd="sng" algn="ctr">
+                      <a:solidFill>
+                        <a:schemeClr val="tx1"/>
+                      </a:solidFill>
+                      <a:prstDash val="solid"/>
+                      <a:round/>
+                      <a:headEnd type="none" w="med" len="med"/>
+                      <a:tailEnd type="none" w="med" len="med"/>
+                    </a:lnR>
+                    <a:lnT w="12700" cap="flat" cmpd="sng" algn="ctr">
+                      <a:solidFill>
+                        <a:schemeClr val="tx1"/>
+                      </a:solidFill>
+                      <a:prstDash val="solid"/>
+                      <a:round/>
+                      <a:headEnd type="none" w="med" len="med"/>
+                      <a:tailEnd type="none" w="med" len="med"/>
+                    </a:lnT>
+                    <a:lnB w="12700" cap="flat" cmpd="sng" algn="ctr">
+                      <a:solidFill>
+                        <a:schemeClr val="tx1"/>
+                      </a:solidFill>
+                      <a:prstDash val="solid"/>
+                      <a:round/>
+                      <a:headEnd type="none" w="med" len="med"/>
+                      <a:tailEnd type="none" w="med" len="med"/>
+                    </a:lnB>
+                    <a:lnTlToBr w="12700" cmpd="sng">
+                      <a:noFill/>
+                      <a:prstDash val="solid"/>
+                    </a:lnTlToBr>
+                    <a:lnBlToTr w="12700" cmpd="sng">
+                      <a:noFill/>
+                      <a:prstDash val="solid"/>
+                    </a:lnBlToTr>
+                  </a:tcPr>
+                </a:tc>
+                <a:tc>
+                  <a:txBody>
+                    <a:bodyPr/>
+                    <a:lstStyle/>
+                    <a:p>
+                      <a:pPr marL="33655" algn="l">
+                        <a:lnSpc>
+                          <a:spcPts val="1500"/>
+                        </a:lnSpc>
+                        <a:spcAft>
+                          <a:spcPts val="1000"/>
+                        </a:spcAft>
+                        <a:tabLst>
+                          <a:tab pos="900430" algn="l"/>
+                        </a:tabLst>
+                      </a:pPr>
+                      <a:endParaRPr lang="es-ES" sz="2000" dirty="0">
+                        <a:latin typeface="Arial"/>
+                        <a:ea typeface="Times New Roman"/>
+                        <a:cs typeface="Times New Roman"/>
+                      </a:endParaRPr>
+                    </a:p>
+                  </a:txBody>
+                  <a:tcPr marL="68580" marR="68580" marT="0" marB="0" anchor="ctr">
+                    <a:lnL w="12700" cap="flat" cmpd="sng" algn="ctr">
+                      <a:solidFill>
+                        <a:schemeClr val="tx1"/>
+                      </a:solidFill>
+                      <a:prstDash val="solid"/>
+                      <a:round/>
+                      <a:headEnd type="none" w="med" len="med"/>
+                      <a:tailEnd type="none" w="med" len="med"/>
+                    </a:lnL>
+                    <a:lnR w="12700" cap="flat" cmpd="sng" algn="ctr">
+                      <a:solidFill>
+                        <a:schemeClr val="tx1"/>
+                      </a:solidFill>
+                      <a:prstDash val="solid"/>
+                      <a:round/>
+                      <a:headEnd type="none" w="med" len="med"/>
+                      <a:tailEnd type="none" w="med" len="med"/>
+                    </a:lnR>
+                    <a:lnT w="12700" cap="flat" cmpd="sng" algn="ctr">
+                      <a:solidFill>
+                        <a:schemeClr val="tx1"/>
+                      </a:solidFill>
+                      <a:prstDash val="solid"/>
+                      <a:round/>
+                      <a:headEnd type="none" w="med" len="med"/>
+                      <a:tailEnd type="none" w="med" len="med"/>
+                    </a:lnT>
+                    <a:lnB w="12700" cap="flat" cmpd="sng" algn="ctr">
+                      <a:solidFill>
+                        <a:schemeClr val="tx1"/>
+                      </a:solidFill>
+                      <a:prstDash val="solid"/>
+                      <a:round/>
+                      <a:headEnd type="none" w="med" len="med"/>
+                      <a:tailEnd type="none" w="med" len="med"/>
+                    </a:lnB>
+                    <a:lnTlToBr w="12700" cmpd="sng">
+                      <a:noFill/>
+                      <a:prstDash val="solid"/>
+                    </a:lnTlToBr>
+                    <a:lnBlToTr w="12700" cmpd="sng">
+                      <a:noFill/>
+                      <a:prstDash val="solid"/>
+                    </a:lnBlToTr>
+                  </a:tcPr>
+                </a:tc>
+              </a:tr>
+            </a:tbl>
+          </a:graphicData>
+        </a:graphic>
+      </p:graphicFrame>
+      <p:sp>
+        <p:nvSpPr>
+          <p:cNvPr id="32796" name="Slide Number Placeholder 4"/>
+          <p:cNvSpPr>
+            <a:spLocks noGrp="1"/>
+          </p:cNvSpPr>
+          <p:nvPr>
+            <p:ph type="sldNum" sz="quarter" idx="12"/>
+          </p:nvPr>
+        </p:nvSpPr>
+        <p:spPr bwMode="auto">
+          <a:xfrm>
+            <a:off x="8204200" y="6456387"/>
+            <a:ext cx="733425" cy="274638"/>
+          </a:xfrm>
+          <a:noFill/>
+          <a:ln>
+            <a:miter lim="800000"/>
+            <a:headEnd/>
+            <a:tailEnd/>
+          </a:ln>
+        </p:spPr>
+        <p:txBody>
+          <a:bodyPr/>
+          <a:lstStyle/>
+          <a:p>
+            <a:fld id="{3659A59E-A218-4E7E-A1A1-93DE969E2788}" type="slidenum">
+              <a:rPr lang="es-PE" smtClean="0"/>
+              <a:pPr/>
+              <a:t>34</a:t>
+            </a:fld>
+            <a:endParaRPr lang="es-PE" dirty="0" smtClean="0"/>
+          </a:p>
+        </p:txBody>
+      </p:sp>
+      <p:pic>
+        <p:nvPicPr>
+          <p:cNvPr id="32797" name="Picture 6" descr="visto%20bueno"/>
+          <p:cNvPicPr>
+            <a:picLocks noChangeAspect="1" noChangeArrowheads="1"/>
+          </p:cNvPicPr>
+          <p:nvPr/>
+        </p:nvPicPr>
+        <p:blipFill>
+          <a:blip r:embed="rId2">
+            <a:clrChange>
+              <a:clrFrom>
+                <a:srgbClr val="FEFEFE"/>
+              </a:clrFrom>
+              <a:clrTo>
+                <a:srgbClr val="FEFEFE">
+                  <a:alpha val="0"/>
+                </a:srgbClr>
+              </a:clrTo>
+            </a:clrChange>
+          </a:blip>
+          <a:srcRect/>
+          <a:stretch>
+            <a:fillRect/>
+          </a:stretch>
+        </p:blipFill>
+        <p:spPr bwMode="auto">
+          <a:xfrm>
+            <a:off x="7596336" y="2705746"/>
+            <a:ext cx="474662" cy="357187"/>
+          </a:xfrm>
+          <a:prstGeom prst="rect">
+            <a:avLst/>
+          </a:prstGeom>
+          <a:noFill/>
+          <a:ln w="9525">
+            <a:noFill/>
+            <a:miter lim="800000"/>
+            <a:headEnd/>
+            <a:tailEnd/>
+          </a:ln>
+        </p:spPr>
+      </p:pic>
+      <p:pic>
+        <p:nvPicPr>
+          <p:cNvPr id="32800" name="Picture 9" descr="visto%20bueno"/>
+          <p:cNvPicPr>
+            <a:picLocks noChangeAspect="1" noChangeArrowheads="1"/>
+          </p:cNvPicPr>
+          <p:nvPr/>
+        </p:nvPicPr>
+        <p:blipFill>
+          <a:blip r:embed="rId2">
+            <a:clrChange>
+              <a:clrFrom>
+                <a:srgbClr val="FEFEFE"/>
+              </a:clrFrom>
+              <a:clrTo>
+                <a:srgbClr val="FEFEFE">
+                  <a:alpha val="0"/>
+                </a:srgbClr>
+              </a:clrTo>
+            </a:clrChange>
+          </a:blip>
+          <a:srcRect/>
+          <a:stretch>
+            <a:fillRect/>
+          </a:stretch>
+        </p:blipFill>
+        <p:spPr bwMode="auto">
+          <a:xfrm>
+            <a:off x="7553722" y="4511973"/>
+            <a:ext cx="474662" cy="357187"/>
+          </a:xfrm>
+          <a:prstGeom prst="rect">
+            <a:avLst/>
+          </a:prstGeom>
+          <a:noFill/>
+          <a:ln w="9525">
+            <a:noFill/>
+            <a:miter lim="800000"/>
+            <a:headEnd/>
+            <a:tailEnd/>
+          </a:ln>
+        </p:spPr>
+      </p:pic>
+      <p:pic>
+        <p:nvPicPr>
+          <p:cNvPr id="10" name="Picture 9" descr="visto%20bueno"/>
+          <p:cNvPicPr>
+            <a:picLocks noChangeAspect="1" noChangeArrowheads="1"/>
+          </p:cNvPicPr>
+          <p:nvPr/>
+        </p:nvPicPr>
+        <p:blipFill>
+          <a:blip r:embed="rId2">
+            <a:clrChange>
+              <a:clrFrom>
+                <a:srgbClr val="FEFEFE"/>
+              </a:clrFrom>
+              <a:clrTo>
+                <a:srgbClr val="FEFEFE">
+                  <a:alpha val="0"/>
+                </a:srgbClr>
+              </a:clrTo>
+            </a:clrChange>
+          </a:blip>
+          <a:srcRect/>
+          <a:stretch>
+            <a:fillRect/>
+          </a:stretch>
+        </p:blipFill>
+        <p:spPr bwMode="auto">
+          <a:xfrm>
+            <a:off x="7524328" y="5952133"/>
+            <a:ext cx="474662" cy="357187"/>
+          </a:xfrm>
+          <a:prstGeom prst="rect">
+            <a:avLst/>
+          </a:prstGeom>
+          <a:noFill/>
+          <a:ln w="9525">
+            <a:noFill/>
+            <a:miter lim="800000"/>
+            <a:headEnd/>
+            <a:tailEnd/>
+          </a:ln>
+        </p:spPr>
+      </p:pic>
+      <p:pic>
+        <p:nvPicPr>
+          <p:cNvPr id="8" name="Picture 9" descr="visto%20bueno"/>
+          <p:cNvPicPr>
+            <a:picLocks noChangeAspect="1" noChangeArrowheads="1"/>
+          </p:cNvPicPr>
+          <p:nvPr/>
+        </p:nvPicPr>
+        <p:blipFill>
+          <a:blip r:embed="rId2">
+            <a:clrChange>
+              <a:clrFrom>
+                <a:srgbClr val="FEFEFE"/>
+              </a:clrFrom>
+              <a:clrTo>
+                <a:srgbClr val="FEFEFE">
+                  <a:alpha val="0"/>
+                </a:srgbClr>
+              </a:clrTo>
+            </a:clrChange>
+          </a:blip>
+          <a:srcRect/>
+          <a:stretch>
+            <a:fillRect/>
+          </a:stretch>
+        </p:blipFill>
+        <p:spPr bwMode="auto">
+          <a:xfrm>
+            <a:off x="7553722" y="3791893"/>
+            <a:ext cx="474662" cy="357187"/>
+          </a:xfrm>
+          <a:prstGeom prst="rect">
+            <a:avLst/>
+          </a:prstGeom>
+          <a:noFill/>
+          <a:ln w="9525">
+            <a:noFill/>
+            <a:miter lim="800000"/>
+            <a:headEnd/>
+            <a:tailEnd/>
+          </a:ln>
+        </p:spPr>
+      </p:pic>
+      <p:pic>
+        <p:nvPicPr>
+          <p:cNvPr id="9" name="Picture 9" descr="visto%20bueno"/>
+          <p:cNvPicPr>
+            <a:picLocks noChangeAspect="1" noChangeArrowheads="1"/>
+          </p:cNvPicPr>
+          <p:nvPr/>
+        </p:nvPicPr>
+        <p:blipFill>
+          <a:blip r:embed="rId2">
+            <a:clrChange>
+              <a:clrFrom>
+                <a:srgbClr val="FEFEFE"/>
+              </a:clrFrom>
+              <a:clrTo>
+                <a:srgbClr val="FEFEFE">
+                  <a:alpha val="0"/>
+                </a:srgbClr>
+              </a:clrTo>
+            </a:clrChange>
+          </a:blip>
+          <a:srcRect/>
+          <a:stretch>
+            <a:fillRect/>
+          </a:stretch>
+        </p:blipFill>
+        <p:spPr bwMode="auto">
+          <a:xfrm>
+            <a:off x="7553722" y="5166072"/>
+            <a:ext cx="474662" cy="357187"/>
+          </a:xfrm>
+          <a:prstGeom prst="rect">
+            <a:avLst/>
+          </a:prstGeom>
+          <a:noFill/>
+          <a:ln w="9525">
+            <a:noFill/>
+            <a:miter lim="800000"/>
+            <a:headEnd/>
+            <a:tailEnd/>
+          </a:ln>
+        </p:spPr>
+      </p:pic>
+      <p:sp>
+        <p:nvSpPr>
+          <p:cNvPr id="3" name="2 Rectángulo"/>
+          <p:cNvSpPr/>
+          <p:nvPr/>
+        </p:nvSpPr>
+        <p:spPr>
+          <a:xfrm>
+            <a:off x="539552" y="3645024"/>
+            <a:ext cx="6408712" cy="648072"/>
+          </a:xfrm>
+          <a:prstGeom prst="rect">
+            <a:avLst/>
+          </a:prstGeom>
+          <a:solidFill>
+            <a:schemeClr val="bg1"/>
+          </a:solidFill>
+          <a:ln>
+            <a:solidFill>
+              <a:schemeClr val="bg1"/>
+            </a:solidFill>
+          </a:ln>
+        </p:spPr>
+        <p:style>
+          <a:lnRef idx="2">
+            <a:schemeClr val="accent1">
+              <a:shade val="50000"/>
+            </a:schemeClr>
+          </a:lnRef>
+          <a:fillRef idx="1">
+            <a:schemeClr val="accent1"/>
+          </a:fillRef>
+          <a:effectRef idx="0">
+            <a:schemeClr val="accent1"/>
+          </a:effectRef>
+          <a:fontRef idx="minor">
+            <a:schemeClr val="lt1"/>
+          </a:fontRef>
+        </p:style>
+        <p:txBody>
+          <a:bodyPr rtlCol="0" anchor="ctr"/>
+          <a:lstStyle/>
+          <a:p>
+            <a:pPr algn="ctr"/>
+            <a:endParaRPr lang="es-PE"/>
+          </a:p>
+        </p:txBody>
+      </p:sp>
+      <p:sp>
+        <p:nvSpPr>
+          <p:cNvPr id="11" name="10 Rectángulo"/>
+          <p:cNvSpPr/>
+          <p:nvPr/>
+        </p:nvSpPr>
+        <p:spPr>
+          <a:xfrm>
+            <a:off x="539552" y="5140240"/>
+            <a:ext cx="6408712" cy="589156"/>
+          </a:xfrm>
+          <a:prstGeom prst="rect">
+            <a:avLst/>
+          </a:prstGeom>
+          <a:solidFill>
+            <a:schemeClr val="bg1"/>
+          </a:solidFill>
+          <a:ln>
+            <a:solidFill>
+              <a:schemeClr val="bg1"/>
+            </a:solidFill>
+          </a:ln>
+        </p:spPr>
+        <p:style>
+          <a:lnRef idx="2">
+            <a:schemeClr val="accent1">
+              <a:shade val="50000"/>
+            </a:schemeClr>
+          </a:lnRef>
+          <a:fillRef idx="1">
+            <a:schemeClr val="accent1"/>
+          </a:fillRef>
+          <a:effectRef idx="0">
+            <a:schemeClr val="accent1"/>
+          </a:effectRef>
+          <a:fontRef idx="minor">
+            <a:schemeClr val="lt1"/>
+          </a:fontRef>
+        </p:style>
+        <p:txBody>
+          <a:bodyPr rtlCol="0" anchor="ctr"/>
+          <a:lstStyle/>
+          <a:p>
+            <a:pPr algn="ctr"/>
+            <a:endParaRPr lang="es-PE"/>
+          </a:p>
+        </p:txBody>
+      </p:sp>
+    </p:spTree>
+    <p:extLst>
+      <p:ext uri="{BB962C8B-B14F-4D97-AF65-F5344CB8AC3E}">
+        <p14:creationId xmlns:p14="http://schemas.microsoft.com/office/powerpoint/2010/main" val="340714900"/>
+      </p:ext>
+    </p:extLst>
+  </p:cSld>
+  <p:clrMapOvr>
+    <a:masterClrMapping/>
+  </p:clrMapOvr>
+  <p:transition spd="slow">
+    <p:fade thruBlk="1"/>
+  </p:transition>
+  <p:timing>
+    <p:tnLst>
+      <p:par>
+        <p:cTn id="1" dur="indefinite" restart="never" nodeType="tmRoot">
+          <p:childTnLst>
+            <p:seq concurrent="1" nextAc="seek">
+              <p:cTn id="2" dur="indefinite" nodeType="mainSeq">
+                <p:childTnLst>
+                  <p:par>
+                    <p:cTn id="3" fill="hold">
+                      <p:stCondLst>
+                        <p:cond delay="indefinite"/>
+                      </p:stCondLst>
+                      <p:childTnLst>
+                        <p:par>
+                          <p:cTn id="4" fill="hold">
+                            <p:stCondLst>
+                              <p:cond delay="0"/>
+                            </p:stCondLst>
+                            <p:childTnLst>
+                              <p:par>
+                                <p:cTn id="5" presetID="10" presetClass="entr" presetSubtype="0" fill="hold" grpId="0" nodeType="clickEffect">
+                                  <p:stCondLst>
+                                    <p:cond delay="0"/>
+                                  </p:stCondLst>
+                                  <p:childTnLst>
+                                    <p:set>
+                                      <p:cBhvr>
+                                        <p:cTn id="6" dur="1" fill="hold">
+                                          <p:stCondLst>
+                                            <p:cond delay="0"/>
+                                          </p:stCondLst>
+                                        </p:cTn>
+                                        <p:tgtEl>
+                                          <p:spTgt spid="3"/>
+                                        </p:tgtEl>
+                                        <p:attrNameLst>
+                                          <p:attrName>style.visibility</p:attrName>
+                                        </p:attrNameLst>
+                                      </p:cBhvr>
+                                      <p:to>
+                                        <p:strVal val="visible"/>
+                                      </p:to>
+                                    </p:set>
+                                    <p:animEffect transition="in" filter="fade">
+                                      <p:cBhvr>
+                                        <p:cTn id="7" dur="2000"/>
+                                        <p:tgtEl>
+                                          <p:spTgt spid="3"/>
+                                        </p:tgtEl>
+                                      </p:cBhvr>
+                                    </p:animEffect>
+                                  </p:childTnLst>
+                                </p:cTn>
+                              </p:par>
+                              <p:par>
+                                <p:cTn id="8" presetID="10" presetClass="exit" presetSubtype="0" fill="hold" nodeType="withEffect">
+                                  <p:stCondLst>
+                                    <p:cond delay="0"/>
+                                  </p:stCondLst>
+                                  <p:childTnLst>
+                                    <p:animEffect transition="out" filter="fade">
+                                      <p:cBhvr>
+                                        <p:cTn id="9" dur="2000"/>
+                                        <p:tgtEl>
+                                          <p:spTgt spid="8"/>
+                                        </p:tgtEl>
+                                      </p:cBhvr>
+                                    </p:animEffect>
+                                    <p:set>
+                                      <p:cBhvr>
+                                        <p:cTn id="10" dur="1" fill="hold">
+                                          <p:stCondLst>
+                                            <p:cond delay="1999"/>
+                                          </p:stCondLst>
+                                        </p:cTn>
+                                        <p:tgtEl>
+                                          <p:spTgt spid="8"/>
+                                        </p:tgtEl>
+                                        <p:attrNameLst>
+                                          <p:attrName>style.visibility</p:attrName>
+                                        </p:attrNameLst>
+                                      </p:cBhvr>
+                                      <p:to>
+                                        <p:strVal val="hidden"/>
+                                      </p:to>
+                                    </p:set>
+                                  </p:childTnLst>
+                                </p:cTn>
+                              </p:par>
+                            </p:childTnLst>
+                          </p:cTn>
+                        </p:par>
+                        <p:par>
+                          <p:cTn id="11" fill="hold">
+                            <p:stCondLst>
+                              <p:cond delay="2000"/>
+                            </p:stCondLst>
+                            <p:childTnLst>
+                              <p:par>
+                                <p:cTn id="12" presetID="10" presetClass="entr" presetSubtype="0" fill="hold" grpId="0" nodeType="afterEffect">
+                                  <p:stCondLst>
+                                    <p:cond delay="0"/>
+                                  </p:stCondLst>
+                                  <p:childTnLst>
+                                    <p:set>
+                                      <p:cBhvr>
+                                        <p:cTn id="13" dur="1" fill="hold">
+                                          <p:stCondLst>
+                                            <p:cond delay="0"/>
+                                          </p:stCondLst>
+                                        </p:cTn>
+                                        <p:tgtEl>
+                                          <p:spTgt spid="11"/>
+                                        </p:tgtEl>
+                                        <p:attrNameLst>
+                                          <p:attrName>style.visibility</p:attrName>
+                                        </p:attrNameLst>
+                                      </p:cBhvr>
+                                      <p:to>
+                                        <p:strVal val="visible"/>
+                                      </p:to>
+                                    </p:set>
+                                    <p:animEffect transition="in" filter="fade">
+                                      <p:cBhvr>
+                                        <p:cTn id="14" dur="2000"/>
+                                        <p:tgtEl>
+                                          <p:spTgt spid="11"/>
+                                        </p:tgtEl>
+                                      </p:cBhvr>
+                                    </p:animEffect>
+                                  </p:childTnLst>
+                                </p:cTn>
+                              </p:par>
+                              <p:par>
+                                <p:cTn id="15" presetID="10" presetClass="exit" presetSubtype="0" fill="hold" nodeType="withEffect">
+                                  <p:stCondLst>
+                                    <p:cond delay="0"/>
+                                  </p:stCondLst>
+                                  <p:childTnLst>
+                                    <p:animEffect transition="out" filter="fade">
+                                      <p:cBhvr>
+                                        <p:cTn id="16" dur="2000"/>
+                                        <p:tgtEl>
+                                          <p:spTgt spid="9"/>
+                                        </p:tgtEl>
+                                      </p:cBhvr>
+                                    </p:animEffect>
+                                    <p:set>
+                                      <p:cBhvr>
+                                        <p:cTn id="17" dur="1" fill="hold">
+                                          <p:stCondLst>
+                                            <p:cond delay="1999"/>
+                                          </p:stCondLst>
+                                        </p:cTn>
+                                        <p:tgtEl>
+                                          <p:spTgt spid="9"/>
+                                        </p:tgtEl>
+                                        <p:attrNameLst>
+                                          <p:attrName>style.visibility</p:attrName>
+                                        </p:attrNameLst>
+                                      </p:cBhvr>
+                                      <p:to>
+                                        <p:strVal val="hidden"/>
+                                      </p:to>
+                                    </p:set>
+                                  </p:childTnLst>
+                                </p:cTn>
+                              </p:par>
+                            </p:childTnLst>
+                          </p:cTn>
+                        </p:par>
+                      </p:childTnLst>
+                    </p:cTn>
+                  </p:par>
+                </p:childTnLst>
+              </p:cTn>
+              <p:prevCondLst>
+                <p:cond evt="onPrev" delay="0">
+                  <p:tgtEl>
+                    <p:sldTgt/>
+                  </p:tgtEl>
+                </p:cond>
+              </p:prevCondLst>
+              <p:nextCondLst>
+                <p:cond evt="onNext" delay="0">
+                  <p:tgtEl>
+                    <p:sldTgt/>
+                  </p:tgtEl>
+                </p:cond>
+              </p:nextCondLst>
+            </p:seq>
+          </p:childTnLst>
+        </p:cTn>
+      </p:par>
+    </p:tnLst>
+    <p:bldLst>
+      <p:bldP spid="3" grpId="0" animBg="1"/>
+      <p:bldP spid="11" grpId="0" animBg="1"/>
+    </p:bldLst>
+  </p:timing>
+</p:sld>
+</file>
+
+<file path=ppt/slides/slide35.xml><?xml version="1.0" encoding="utf-8"?>
+<p:sld xmlns:a="http://schemas.openxmlformats.org/drawingml/2006/main" xmlns:r="http://schemas.openxmlformats.org/officeDocument/2006/relationships" xmlns:p="http://schemas.openxmlformats.org/presentationml/2006/main">
+  <p:cSld>
+    <p:spTree>
+      <p:nvGrpSpPr>
+        <p:cNvPr id="1" name=""/>
+        <p:cNvGrpSpPr/>
+        <p:nvPr/>
+      </p:nvGrpSpPr>
+      <p:grpSpPr>
+        <a:xfrm>
+          <a:off x="0" y="0"/>
+          <a:ext cx="0" cy="0"/>
+          <a:chOff x="0" y="0"/>
+          <a:chExt cx="0" cy="0"/>
+        </a:xfrm>
+      </p:grpSpPr>
+      <p:sp>
+        <p:nvSpPr>
           <p:cNvPr id="2" name="1 Título"/>
           <p:cNvSpPr>
             <a:spLocks noGrp="1"/>
@@ -34786,7 +36303,7 @@
               <a:pPr>
                 <a:defRPr/>
               </a:pPr>
-              <a:t>34</a:t>
+              <a:t>35</a:t>
             </a:fld>
             <a:endParaRPr lang="es-PE" dirty="0"/>
           </a:p>
@@ -34991,7 +36508,7 @@
 </p:sld>
 </file>
 
-<file path=ppt/slides/slide35.xml><?xml version="1.0" encoding="utf-8"?>
+<file path=ppt/slides/slide36.xml><?xml version="1.0" encoding="utf-8"?>
 <p:sld xmlns:a="http://schemas.openxmlformats.org/drawingml/2006/main" xmlns:r="http://schemas.openxmlformats.org/officeDocument/2006/relationships" xmlns:p="http://schemas.openxmlformats.org/presentationml/2006/main">
   <p:cSld>
     <p:spTree>
@@ -35080,7 +36597,7 @@
               <a:pPr>
                 <a:defRPr/>
               </a:pPr>
-              <a:t>35</a:t>
+              <a:t>36</a:t>
             </a:fld>
             <a:endParaRPr lang="es-PE" dirty="0"/>
           </a:p>
@@ -35286,7 +36803,7 @@
 </p:sld>
 </file>
 
-<file path=ppt/slides/slide36.xml><?xml version="1.0" encoding="utf-8"?>
+<file path=ppt/slides/slide37.xml><?xml version="1.0" encoding="utf-8"?>
 <p:sld xmlns:a="http://schemas.openxmlformats.org/drawingml/2006/main" xmlns:r="http://schemas.openxmlformats.org/officeDocument/2006/relationships" xmlns:p="http://schemas.openxmlformats.org/presentationml/2006/main">
   <p:cSld>
     <p:spTree>
@@ -35354,7 +36871,7 @@
               <a:pPr>
                 <a:defRPr/>
               </a:pPr>
-              <a:t>36</a:t>
+              <a:t>37</a:t>
             </a:fld>
             <a:endParaRPr lang="es-PE" dirty="0"/>
           </a:p>
@@ -35499,7 +37016,7 @@
 </p:sld>
 </file>
 
-<file path=ppt/slides/slide37.xml><?xml version="1.0" encoding="utf-8"?>
+<file path=ppt/slides/slide38.xml><?xml version="1.0" encoding="utf-8"?>
 <p:sld xmlns:a="http://schemas.openxmlformats.org/drawingml/2006/main" xmlns:r="http://schemas.openxmlformats.org/officeDocument/2006/relationships" xmlns:p="http://schemas.openxmlformats.org/presentationml/2006/main">
   <p:cSld>
     <p:spTree>
@@ -35575,7 +37092,7 @@
               <a:pPr>
                 <a:defRPr/>
               </a:pPr>
-              <a:t>37</a:t>
+              <a:t>38</a:t>
             </a:fld>
             <a:endParaRPr lang="es-PE" dirty="0"/>
           </a:p>
@@ -35778,7 +37295,7 @@
 </p:sld>
 </file>
 
-<file path=ppt/slides/slide38.xml><?xml version="1.0" encoding="utf-8"?>
+<file path=ppt/slides/slide39.xml><?xml version="1.0" encoding="utf-8"?>
 <p:sld xmlns:a="http://schemas.openxmlformats.org/drawingml/2006/main" xmlns:r="http://schemas.openxmlformats.org/officeDocument/2006/relationships" xmlns:p="http://schemas.openxmlformats.org/presentationml/2006/main">
   <p:cSld>
     <p:spTree>
@@ -35855,7 +37372,7 @@
               <a:pPr>
                 <a:defRPr/>
               </a:pPr>
-              <a:t>38</a:t>
+              <a:t>39</a:t>
             </a:fld>
             <a:endParaRPr lang="es-PE" dirty="0"/>
           </a:p>
@@ -35865,183 +37382,6 @@
     <p:extLst>
       <p:ext uri="{BB962C8B-B14F-4D97-AF65-F5344CB8AC3E}">
         <p14:creationId xmlns:p14="http://schemas.microsoft.com/office/powerpoint/2010/main" val="4222525848"/>
-      </p:ext>
-    </p:extLst>
-  </p:cSld>
-  <p:clrMapOvr>
-    <a:masterClrMapping/>
-  </p:clrMapOvr>
-  <p:transition spd="slow">
-    <p:fade thruBlk="1"/>
-  </p:transition>
-  <p:timing>
-    <p:tnLst>
-      <p:par>
-        <p:cTn id="1" dur="indefinite" restart="never" nodeType="tmRoot"/>
-      </p:par>
-    </p:tnLst>
-  </p:timing>
-</p:sld>
-</file>
-
-<file path=ppt/slides/slide39.xml><?xml version="1.0" encoding="utf-8"?>
-<p:sld xmlns:a="http://schemas.openxmlformats.org/drawingml/2006/main" xmlns:r="http://schemas.openxmlformats.org/officeDocument/2006/relationships" xmlns:p="http://schemas.openxmlformats.org/presentationml/2006/main">
-  <p:cSld>
-    <p:spTree>
-      <p:nvGrpSpPr>
-        <p:cNvPr id="1" name=""/>
-        <p:cNvGrpSpPr/>
-        <p:nvPr/>
-      </p:nvGrpSpPr>
-      <p:grpSpPr>
-        <a:xfrm>
-          <a:off x="0" y="0"/>
-          <a:ext cx="0" cy="0"/>
-          <a:chOff x="0" y="0"/>
-          <a:chExt cx="0" cy="0"/>
-        </a:xfrm>
-      </p:grpSpPr>
-      <p:sp>
-        <p:nvSpPr>
-          <p:cNvPr id="2" name="1 Título"/>
-          <p:cNvSpPr>
-            <a:spLocks noGrp="1"/>
-          </p:cNvSpPr>
-          <p:nvPr>
-            <p:ph type="title"/>
-          </p:nvPr>
-        </p:nvSpPr>
-        <p:spPr/>
-        <p:txBody>
-          <a:bodyPr/>
-          <a:lstStyle/>
-          <a:p>
-            <a:endParaRPr lang="es-PE"/>
-          </a:p>
-        </p:txBody>
-      </p:sp>
-      <p:sp>
-        <p:nvSpPr>
-          <p:cNvPr id="3" name="2 Marcador de contenido"/>
-          <p:cNvSpPr>
-            <a:spLocks noGrp="1"/>
-          </p:cNvSpPr>
-          <p:nvPr>
-            <p:ph idx="1"/>
-          </p:nvPr>
-        </p:nvSpPr>
-        <p:spPr/>
-        <p:txBody>
-          <a:bodyPr/>
-          <a:lstStyle/>
-          <a:p>
-            <a:endParaRPr lang="es-PE"/>
-          </a:p>
-        </p:txBody>
-      </p:sp>
-      <p:sp>
-        <p:nvSpPr>
-          <p:cNvPr id="4" name="3 Marcador de pie de página"/>
-          <p:cNvSpPr>
-            <a:spLocks noGrp="1"/>
-          </p:cNvSpPr>
-          <p:nvPr>
-            <p:ph type="ftr" sz="quarter" idx="11"/>
-          </p:nvPr>
-        </p:nvSpPr>
-        <p:spPr/>
-        <p:txBody>
-          <a:bodyPr/>
-          <a:lstStyle/>
-          <a:p>
-            <a:pPr>
-              <a:defRPr/>
-            </a:pPr>
-            <a:endParaRPr lang="es-ES" dirty="0"/>
-          </a:p>
-        </p:txBody>
-      </p:sp>
-      <p:sp>
-        <p:nvSpPr>
-          <p:cNvPr id="5" name="4 Marcador de número de diapositiva"/>
-          <p:cNvSpPr>
-            <a:spLocks noGrp="1"/>
-          </p:cNvSpPr>
-          <p:nvPr>
-            <p:ph type="sldNum" sz="quarter" idx="12"/>
-          </p:nvPr>
-        </p:nvSpPr>
-        <p:spPr/>
-        <p:txBody>
-          <a:bodyPr/>
-          <a:lstStyle/>
-          <a:p>
-            <a:pPr>
-              <a:defRPr/>
-            </a:pPr>
-            <a:fld id="{136A18BD-B34A-4A65-9A7B-D6103CEFB862}" type="slidenum">
-              <a:rPr lang="es-PE" smtClean="0"/>
-              <a:pPr>
-                <a:defRPr/>
-              </a:pPr>
-              <a:t>39</a:t>
-            </a:fld>
-            <a:endParaRPr lang="es-PE" dirty="0"/>
-          </a:p>
-        </p:txBody>
-      </p:sp>
-      <p:sp>
-        <p:nvSpPr>
-          <p:cNvPr id="6" name="5 Rectángulo"/>
-          <p:cNvSpPr/>
-          <p:nvPr/>
-        </p:nvSpPr>
-        <p:spPr>
-          <a:xfrm>
-            <a:off x="-5984" y="23638"/>
-            <a:ext cx="9149983" cy="6834362"/>
-          </a:xfrm>
-          <a:prstGeom prst="rect">
-            <a:avLst/>
-          </a:prstGeom>
-          <a:solidFill>
-            <a:schemeClr val="tx1"/>
-          </a:solidFill>
-          <a:ln cmpd="sng">
-            <a:solidFill>
-              <a:schemeClr val="tx1"/>
-            </a:solidFill>
-          </a:ln>
-        </p:spPr>
-        <p:style>
-          <a:lnRef idx="2">
-            <a:schemeClr val="accent1">
-              <a:shade val="50000"/>
-            </a:schemeClr>
-          </a:lnRef>
-          <a:fillRef idx="1">
-            <a:schemeClr val="accent1"/>
-          </a:fillRef>
-          <a:effectRef idx="0">
-            <a:schemeClr val="accent1"/>
-          </a:effectRef>
-          <a:fontRef idx="minor">
-            <a:schemeClr val="lt1"/>
-          </a:fontRef>
-        </p:style>
-        <p:txBody>
-          <a:bodyPr rtlCol="0" anchor="ctr"/>
-          <a:lstStyle/>
-          <a:p>
-            <a:pPr algn="ctr"/>
-            <a:endParaRPr lang="es-PE"/>
-          </a:p>
-        </p:txBody>
-      </p:sp>
-    </p:spTree>
-    <p:extLst>
-      <p:ext uri="{BB962C8B-B14F-4D97-AF65-F5344CB8AC3E}">
-        <p14:creationId xmlns:p14="http://schemas.microsoft.com/office/powerpoint/2010/main" val="937120603"/>
       </p:ext>
     </p:extLst>
   </p:cSld>
@@ -36427,6 +37767,183 @@
         </p:nvSpPr>
         <p:spPr/>
         <p:txBody>
+          <a:bodyPr/>
+          <a:lstStyle/>
+          <a:p>
+            <a:endParaRPr lang="es-PE"/>
+          </a:p>
+        </p:txBody>
+      </p:sp>
+      <p:sp>
+        <p:nvSpPr>
+          <p:cNvPr id="3" name="2 Marcador de contenido"/>
+          <p:cNvSpPr>
+            <a:spLocks noGrp="1"/>
+          </p:cNvSpPr>
+          <p:nvPr>
+            <p:ph idx="1"/>
+          </p:nvPr>
+        </p:nvSpPr>
+        <p:spPr/>
+        <p:txBody>
+          <a:bodyPr/>
+          <a:lstStyle/>
+          <a:p>
+            <a:endParaRPr lang="es-PE"/>
+          </a:p>
+        </p:txBody>
+      </p:sp>
+      <p:sp>
+        <p:nvSpPr>
+          <p:cNvPr id="4" name="3 Marcador de pie de página"/>
+          <p:cNvSpPr>
+            <a:spLocks noGrp="1"/>
+          </p:cNvSpPr>
+          <p:nvPr>
+            <p:ph type="ftr" sz="quarter" idx="11"/>
+          </p:nvPr>
+        </p:nvSpPr>
+        <p:spPr/>
+        <p:txBody>
+          <a:bodyPr/>
+          <a:lstStyle/>
+          <a:p>
+            <a:pPr>
+              <a:defRPr/>
+            </a:pPr>
+            <a:endParaRPr lang="es-ES" dirty="0"/>
+          </a:p>
+        </p:txBody>
+      </p:sp>
+      <p:sp>
+        <p:nvSpPr>
+          <p:cNvPr id="5" name="4 Marcador de número de diapositiva"/>
+          <p:cNvSpPr>
+            <a:spLocks noGrp="1"/>
+          </p:cNvSpPr>
+          <p:nvPr>
+            <p:ph type="sldNum" sz="quarter" idx="12"/>
+          </p:nvPr>
+        </p:nvSpPr>
+        <p:spPr/>
+        <p:txBody>
+          <a:bodyPr/>
+          <a:lstStyle/>
+          <a:p>
+            <a:pPr>
+              <a:defRPr/>
+            </a:pPr>
+            <a:fld id="{136A18BD-B34A-4A65-9A7B-D6103CEFB862}" type="slidenum">
+              <a:rPr lang="es-PE" smtClean="0"/>
+              <a:pPr>
+                <a:defRPr/>
+              </a:pPr>
+              <a:t>40</a:t>
+            </a:fld>
+            <a:endParaRPr lang="es-PE" dirty="0"/>
+          </a:p>
+        </p:txBody>
+      </p:sp>
+      <p:sp>
+        <p:nvSpPr>
+          <p:cNvPr id="6" name="5 Rectángulo"/>
+          <p:cNvSpPr/>
+          <p:nvPr/>
+        </p:nvSpPr>
+        <p:spPr>
+          <a:xfrm>
+            <a:off x="-5984" y="23638"/>
+            <a:ext cx="9149983" cy="6834362"/>
+          </a:xfrm>
+          <a:prstGeom prst="rect">
+            <a:avLst/>
+          </a:prstGeom>
+          <a:solidFill>
+            <a:schemeClr val="tx1"/>
+          </a:solidFill>
+          <a:ln cmpd="sng">
+            <a:solidFill>
+              <a:schemeClr val="tx1"/>
+            </a:solidFill>
+          </a:ln>
+        </p:spPr>
+        <p:style>
+          <a:lnRef idx="2">
+            <a:schemeClr val="accent1">
+              <a:shade val="50000"/>
+            </a:schemeClr>
+          </a:lnRef>
+          <a:fillRef idx="1">
+            <a:schemeClr val="accent1"/>
+          </a:fillRef>
+          <a:effectRef idx="0">
+            <a:schemeClr val="accent1"/>
+          </a:effectRef>
+          <a:fontRef idx="minor">
+            <a:schemeClr val="lt1"/>
+          </a:fontRef>
+        </p:style>
+        <p:txBody>
+          <a:bodyPr rtlCol="0" anchor="ctr"/>
+          <a:lstStyle/>
+          <a:p>
+            <a:pPr algn="ctr"/>
+            <a:endParaRPr lang="es-PE"/>
+          </a:p>
+        </p:txBody>
+      </p:sp>
+    </p:spTree>
+    <p:extLst>
+      <p:ext uri="{BB962C8B-B14F-4D97-AF65-F5344CB8AC3E}">
+        <p14:creationId xmlns:p14="http://schemas.microsoft.com/office/powerpoint/2010/main" val="937120603"/>
+      </p:ext>
+    </p:extLst>
+  </p:cSld>
+  <p:clrMapOvr>
+    <a:masterClrMapping/>
+  </p:clrMapOvr>
+  <p:transition spd="slow">
+    <p:fade thruBlk="1"/>
+  </p:transition>
+  <p:timing>
+    <p:tnLst>
+      <p:par>
+        <p:cTn id="1" dur="indefinite" restart="never" nodeType="tmRoot"/>
+      </p:par>
+    </p:tnLst>
+  </p:timing>
+</p:sld>
+</file>
+
+<file path=ppt/slides/slide41.xml><?xml version="1.0" encoding="utf-8"?>
+<p:sld xmlns:a="http://schemas.openxmlformats.org/drawingml/2006/main" xmlns:r="http://schemas.openxmlformats.org/officeDocument/2006/relationships" xmlns:p="http://schemas.openxmlformats.org/presentationml/2006/main">
+  <p:cSld>
+    <p:spTree>
+      <p:nvGrpSpPr>
+        <p:cNvPr id="1" name=""/>
+        <p:cNvGrpSpPr/>
+        <p:nvPr/>
+      </p:nvGrpSpPr>
+      <p:grpSpPr>
+        <a:xfrm>
+          <a:off x="0" y="0"/>
+          <a:ext cx="0" cy="0"/>
+          <a:chOff x="0" y="0"/>
+          <a:chExt cx="0" cy="0"/>
+        </a:xfrm>
+      </p:grpSpPr>
+      <p:sp>
+        <p:nvSpPr>
+          <p:cNvPr id="2" name="1 Título"/>
+          <p:cNvSpPr>
+            <a:spLocks noGrp="1"/>
+          </p:cNvSpPr>
+          <p:nvPr>
+            <p:ph type="title"/>
+          </p:nvPr>
+        </p:nvSpPr>
+        <p:spPr/>
+        <p:txBody>
           <a:bodyPr>
             <a:normAutofit fontScale="90000"/>
           </a:bodyPr>
@@ -36640,7 +38157,7 @@
 </p:sld>
 </file>
 
-<file path=ppt/slides/slide41.xml><?xml version="1.0" encoding="utf-8"?>
+<file path=ppt/slides/slide42.xml><?xml version="1.0" encoding="utf-8"?>
 <p:sld xmlns:a="http://schemas.openxmlformats.org/drawingml/2006/main" xmlns:r="http://schemas.openxmlformats.org/officeDocument/2006/relationships" xmlns:p="http://schemas.openxmlformats.org/presentationml/2006/main">
   <p:cSld>
     <p:spTree>
@@ -36880,7 +38397,7 @@
 </p:sld>
 </file>
 
-<file path=ppt/slides/slide42.xml><?xml version="1.0" encoding="utf-8"?>
+<file path=ppt/slides/slide43.xml><?xml version="1.0" encoding="utf-8"?>
 <p:sld xmlns:a="http://schemas.openxmlformats.org/drawingml/2006/main" xmlns:r="http://schemas.openxmlformats.org/officeDocument/2006/relationships" xmlns:p="http://schemas.openxmlformats.org/presentationml/2006/main">
   <p:cSld>
     <p:spTree>

--- a/Presentacion Final Ciclo 2011-1/Presentación Semana 17 Arreglado.pptx
+++ b/Presentacion Final Ciclo 2011-1/Presentación Semana 17 Arreglado.pptx
@@ -7071,7 +7071,7 @@
               <a:pPr>
                 <a:defRPr/>
               </a:pPr>
-              <a:t>12/07/2011</a:t>
+              <a:t>13/07/2011</a:t>
             </a:fld>
             <a:endParaRPr lang="es-ES" dirty="0"/>
           </a:p>
@@ -7272,7 +7272,7 @@
               <a:pPr>
                 <a:defRPr/>
               </a:pPr>
-              <a:t>12/07/2011</a:t>
+              <a:t>13/07/2011</a:t>
             </a:fld>
             <a:endParaRPr lang="es-PE" dirty="0"/>
           </a:p>
@@ -9673,7 +9673,7 @@
               <a:pPr>
                 <a:defRPr/>
               </a:pPr>
-              <a:t>12/07/2011</a:t>
+              <a:t>13/07/2011</a:t>
             </a:fld>
             <a:endParaRPr lang="es-PE" dirty="0"/>
           </a:p>
@@ -9890,7 +9890,7 @@
               <a:pPr>
                 <a:defRPr/>
               </a:pPr>
-              <a:t>12/07/2011</a:t>
+              <a:t>13/07/2011</a:t>
             </a:fld>
             <a:endParaRPr lang="es-PE" dirty="0"/>
           </a:p>
@@ -10225,7 +10225,7 @@
               <a:pPr>
                 <a:defRPr/>
               </a:pPr>
-              <a:t>12/07/2011</a:t>
+              <a:t>13/07/2011</a:t>
             </a:fld>
             <a:endParaRPr lang="es-PE" dirty="0"/>
           </a:p>
@@ -10417,7 +10417,7 @@
               <a:pPr>
                 <a:defRPr/>
               </a:pPr>
-              <a:t>12/07/2011</a:t>
+              <a:t>13/07/2011</a:t>
             </a:fld>
             <a:endParaRPr lang="es-PE" dirty="0"/>
           </a:p>
@@ -10542,7 +10542,7 @@
               <a:pPr>
                 <a:defRPr/>
               </a:pPr>
-              <a:t>12/07/2011</a:t>
+              <a:t>13/07/2011</a:t>
             </a:fld>
             <a:endParaRPr lang="es-PE" dirty="0"/>
           </a:p>
@@ -10756,7 +10756,7 @@
               <a:pPr>
                 <a:defRPr/>
               </a:pPr>
-              <a:t>12/07/2011</a:t>
+              <a:t>13/07/2011</a:t>
             </a:fld>
             <a:endParaRPr lang="es-PE" dirty="0"/>
           </a:p>
@@ -11158,7 +11158,7 @@
               <a:pPr>
                 <a:defRPr/>
               </a:pPr>
-              <a:t>12/07/2011</a:t>
+              <a:t>13/07/2011</a:t>
             </a:fld>
             <a:endParaRPr lang="es-PE" dirty="0"/>
           </a:p>
@@ -11493,7 +11493,7 @@
               <a:pPr>
                 <a:defRPr/>
               </a:pPr>
-              <a:t>12/07/2011</a:t>
+              <a:t>13/07/2011</a:t>
             </a:fld>
             <a:endParaRPr lang="es-PE" dirty="0"/>
           </a:p>
@@ -11945,7 +11945,7 @@
               <a:pPr>
                 <a:defRPr/>
               </a:pPr>
-              <a:t>12/07/2011</a:t>
+              <a:t>13/07/2011</a:t>
             </a:fld>
             <a:endParaRPr lang="es-PE" dirty="0"/>
           </a:p>
@@ -12090,7 +12090,7 @@
               <a:pPr>
                 <a:defRPr/>
               </a:pPr>
-              <a:t>12/07/2011</a:t>
+              <a:t>13/07/2011</a:t>
             </a:fld>
             <a:endParaRPr lang="es-PE" dirty="0"/>
           </a:p>
@@ -12242,7 +12242,7 @@
               <a:pPr>
                 <a:defRPr/>
               </a:pPr>
-              <a:t>12/07/2011</a:t>
+              <a:t>13/07/2011</a:t>
             </a:fld>
             <a:endParaRPr lang="es-PE" dirty="0"/>
           </a:p>
@@ -12799,7 +12799,7 @@
               <a:pPr>
                 <a:defRPr/>
               </a:pPr>
-              <a:t>12/07/2011</a:t>
+              <a:t>13/07/2011</a:t>
             </a:fld>
             <a:endParaRPr lang="es-PE" dirty="0"/>
           </a:p>
@@ -13386,7 +13386,7 @@
               <a:pPr>
                 <a:defRPr/>
               </a:pPr>
-              <a:t>12/07/2011</a:t>
+              <a:t>13/07/2011</a:t>
             </a:fld>
             <a:endParaRPr lang="es-PE" dirty="0"/>
           </a:p>
@@ -13770,7 +13770,7 @@
               <a:pPr>
                 <a:defRPr/>
               </a:pPr>
-              <a:t>12/07/2011</a:t>
+              <a:t>13/07/2011</a:t>
             </a:fld>
             <a:endParaRPr lang="es-PE" dirty="0"/>
           </a:p>
@@ -34784,14 +34784,14 @@
             <p:ph type="tbl" idx="1"/>
             <p:extLst>
               <p:ext uri="{D42A27DB-BD31-4B8C-83A1-F6EECF244321}">
-                <p14:modId xmlns:p14="http://schemas.microsoft.com/office/powerpoint/2010/main" val="3298907907"/>
+                <p14:modId xmlns:p14="http://schemas.microsoft.com/office/powerpoint/2010/main" val="3750314466"/>
               </p:ext>
             </p:extLst>
           </p:nvPr>
         </p:nvGraphicFramePr>
         <p:xfrm>
-          <a:off x="467543" y="1556792"/>
-          <a:ext cx="7992888" cy="4974165"/>
+          <a:off x="467543" y="2060848"/>
+          <a:ext cx="7992888" cy="3511125"/>
         </p:xfrm>
         <a:graphic>
           <a:graphicData uri="http://schemas.openxmlformats.org/drawingml/2006/table">
@@ -35089,304 +35089,7 @@
                         <a:rPr lang="es-ES" sz="1600" dirty="0" smtClean="0">
                           <a:effectLst/>
                         </a:rPr>
-                        <a:t>Mayor complejidad de la prevista en el desarrollo e integración de todos los procesos de negocio empresarial de la Oficina Central de Fe y Alegría Perú. </a:t>
-                      </a:r>
-                      <a:endParaRPr lang="es-PE" sz="1600" dirty="0" smtClean="0">
-                        <a:solidFill>
-                          <a:srgbClr val="000000"/>
-                        </a:solidFill>
-                        <a:effectLst/>
-                        <a:latin typeface="Times New Roman"/>
-                        <a:ea typeface="Times New Roman"/>
-                      </a:endParaRPr>
-                    </a:p>
-                  </a:txBody>
-                  <a:tcPr marL="68580" marR="68580" marT="0" marB="0" anchor="ctr">
-                    <a:lnL w="12700" cap="flat" cmpd="sng" algn="ctr">
-                      <a:solidFill>
-                        <a:schemeClr val="tx1"/>
-                      </a:solidFill>
-                      <a:prstDash val="solid"/>
-                      <a:round/>
-                      <a:headEnd type="none" w="med" len="med"/>
-                      <a:tailEnd type="none" w="med" len="med"/>
-                    </a:lnL>
-                    <a:lnR w="12700" cap="flat" cmpd="sng" algn="ctr">
-                      <a:solidFill>
-                        <a:schemeClr val="tx1"/>
-                      </a:solidFill>
-                      <a:prstDash val="solid"/>
-                      <a:round/>
-                      <a:headEnd type="none" w="med" len="med"/>
-                      <a:tailEnd type="none" w="med" len="med"/>
-                    </a:lnR>
-                    <a:lnT w="12700" cap="flat" cmpd="sng" algn="ctr">
-                      <a:solidFill>
-                        <a:schemeClr val="tx1"/>
-                      </a:solidFill>
-                      <a:prstDash val="solid"/>
-                      <a:round/>
-                      <a:headEnd type="none" w="med" len="med"/>
-                      <a:tailEnd type="none" w="med" len="med"/>
-                    </a:lnT>
-                    <a:lnB w="12700" cap="flat" cmpd="sng" algn="ctr">
-                      <a:solidFill>
-                        <a:schemeClr val="tx1"/>
-                      </a:solidFill>
-                      <a:prstDash val="solid"/>
-                      <a:round/>
-                      <a:headEnd type="none" w="med" len="med"/>
-                      <a:tailEnd type="none" w="med" len="med"/>
-                    </a:lnB>
-                    <a:lnTlToBr w="12700" cmpd="sng">
-                      <a:noFill/>
-                      <a:prstDash val="solid"/>
-                    </a:lnTlToBr>
-                    <a:lnBlToTr w="12700" cmpd="sng">
-                      <a:noFill/>
-                      <a:prstDash val="solid"/>
-                    </a:lnBlToTr>
-                  </a:tcPr>
-                </a:tc>
-                <a:tc>
-                  <a:txBody>
-                    <a:bodyPr/>
-                    <a:lstStyle/>
-                    <a:p>
-                      <a:pPr marL="73025" algn="l">
-                        <a:lnSpc>
-                          <a:spcPts val="1500"/>
-                        </a:lnSpc>
-                        <a:spcAft>
-                          <a:spcPts val="1000"/>
-                        </a:spcAft>
-                      </a:pPr>
-                      <a:endParaRPr lang="es-ES" sz="2000" dirty="0">
-                        <a:latin typeface="Arial"/>
-                        <a:ea typeface="Times New Roman"/>
-                        <a:cs typeface="Times New Roman"/>
-                      </a:endParaRPr>
-                    </a:p>
-                  </a:txBody>
-                  <a:tcPr marL="68580" marR="68580" marT="0" marB="0" anchor="ctr">
-                    <a:lnL w="12700" cap="flat" cmpd="sng" algn="ctr">
-                      <a:solidFill>
-                        <a:schemeClr val="tx1"/>
-                      </a:solidFill>
-                      <a:prstDash val="solid"/>
-                      <a:round/>
-                      <a:headEnd type="none" w="med" len="med"/>
-                      <a:tailEnd type="none" w="med" len="med"/>
-                    </a:lnL>
-                    <a:lnR w="12700" cap="flat" cmpd="sng" algn="ctr">
-                      <a:solidFill>
-                        <a:schemeClr val="tx1"/>
-                      </a:solidFill>
-                      <a:prstDash val="solid"/>
-                      <a:round/>
-                      <a:headEnd type="none" w="med" len="med"/>
-                      <a:tailEnd type="none" w="med" len="med"/>
-                    </a:lnR>
-                    <a:lnT w="12700" cap="flat" cmpd="sng" algn="ctr">
-                      <a:solidFill>
-                        <a:schemeClr val="tx1"/>
-                      </a:solidFill>
-                      <a:prstDash val="solid"/>
-                      <a:round/>
-                      <a:headEnd type="none" w="med" len="med"/>
-                      <a:tailEnd type="none" w="med" len="med"/>
-                    </a:lnT>
-                    <a:lnB w="12700" cap="flat" cmpd="sng" algn="ctr">
-                      <a:solidFill>
-                        <a:schemeClr val="tx1"/>
-                      </a:solidFill>
-                      <a:prstDash val="solid"/>
-                      <a:round/>
-                      <a:headEnd type="none" w="med" len="med"/>
-                      <a:tailEnd type="none" w="med" len="med"/>
-                    </a:lnB>
-                    <a:lnTlToBr w="12700" cmpd="sng">
-                      <a:noFill/>
-                      <a:prstDash val="solid"/>
-                    </a:lnTlToBr>
-                    <a:lnBlToTr w="12700" cmpd="sng">
-                      <a:noFill/>
-                      <a:prstDash val="solid"/>
-                    </a:lnBlToTr>
-                  </a:tcPr>
-                </a:tc>
-              </a:tr>
-              <a:tr h="588326">
-                <a:tc>
-                  <a:txBody>
-                    <a:bodyPr/>
-                    <a:lstStyle/>
-                    <a:p>
-                      <a:pPr marL="0" lvl="0" indent="0" algn="just">
-                        <a:lnSpc>
-                          <a:spcPct val="150000"/>
-                        </a:lnSpc>
-                        <a:spcAft>
-                          <a:spcPts val="0"/>
-                        </a:spcAft>
-                        <a:buFont typeface="Symbol"/>
-                        <a:buNone/>
-                      </a:pPr>
-                      <a:r>
-                        <a:rPr lang="es-ES" sz="1600" dirty="0" smtClean="0">
-                          <a:effectLst/>
-                        </a:rPr>
                         <a:t>Carencia de recursos asignados al proyecto por parte de la Gerencia de Proyectos y Recursos Humanos de la Empresa Virtual Educa-T.</a:t>
-                      </a:r>
-                      <a:endParaRPr lang="es-PE" sz="1600" dirty="0" smtClean="0">
-                        <a:solidFill>
-                          <a:srgbClr val="000000"/>
-                        </a:solidFill>
-                        <a:effectLst/>
-                        <a:latin typeface="Times New Roman"/>
-                        <a:ea typeface="Times New Roman"/>
-                      </a:endParaRPr>
-                    </a:p>
-                  </a:txBody>
-                  <a:tcPr marL="68580" marR="68580" marT="0" marB="0" anchor="ctr">
-                    <a:lnL w="12700" cap="flat" cmpd="sng" algn="ctr">
-                      <a:solidFill>
-                        <a:schemeClr val="tx1"/>
-                      </a:solidFill>
-                      <a:prstDash val="solid"/>
-                      <a:round/>
-                      <a:headEnd type="none" w="med" len="med"/>
-                      <a:tailEnd type="none" w="med" len="med"/>
-                    </a:lnL>
-                    <a:lnR w="12700" cap="flat" cmpd="sng" algn="ctr">
-                      <a:solidFill>
-                        <a:schemeClr val="tx1"/>
-                      </a:solidFill>
-                      <a:prstDash val="solid"/>
-                      <a:round/>
-                      <a:headEnd type="none" w="med" len="med"/>
-                      <a:tailEnd type="none" w="med" len="med"/>
-                    </a:lnR>
-                    <a:lnT w="12700" cap="flat" cmpd="sng" algn="ctr">
-                      <a:solidFill>
-                        <a:schemeClr val="tx1"/>
-                      </a:solidFill>
-                      <a:prstDash val="solid"/>
-                      <a:round/>
-                      <a:headEnd type="none" w="med" len="med"/>
-                      <a:tailEnd type="none" w="med" len="med"/>
-                    </a:lnT>
-                    <a:lnB w="12700" cap="flat" cmpd="sng" algn="ctr">
-                      <a:solidFill>
-                        <a:schemeClr val="tx1"/>
-                      </a:solidFill>
-                      <a:prstDash val="solid"/>
-                      <a:round/>
-                      <a:headEnd type="none" w="med" len="med"/>
-                      <a:tailEnd type="none" w="med" len="med"/>
-                    </a:lnB>
-                    <a:lnTlToBr w="12700" cmpd="sng">
-                      <a:noFill/>
-                      <a:prstDash val="solid"/>
-                    </a:lnTlToBr>
-                    <a:lnBlToTr w="12700" cmpd="sng">
-                      <a:noFill/>
-                      <a:prstDash val="solid"/>
-                    </a:lnBlToTr>
-                  </a:tcPr>
-                </a:tc>
-                <a:tc>
-                  <a:txBody>
-                    <a:bodyPr/>
-                    <a:lstStyle/>
-                    <a:p>
-                      <a:pPr marL="33655" algn="l">
-                        <a:lnSpc>
-                          <a:spcPts val="1500"/>
-                        </a:lnSpc>
-                        <a:spcAft>
-                          <a:spcPts val="1000"/>
-                        </a:spcAft>
-                        <a:tabLst>
-                          <a:tab pos="900430" algn="l"/>
-                        </a:tabLst>
-                      </a:pPr>
-                      <a:endParaRPr lang="es-ES" sz="2000" dirty="0">
-                        <a:latin typeface="Arial"/>
-                        <a:ea typeface="Times New Roman"/>
-                        <a:cs typeface="Times New Roman"/>
-                      </a:endParaRPr>
-                    </a:p>
-                  </a:txBody>
-                  <a:tcPr marL="68580" marR="68580" marT="0" marB="0" anchor="ctr">
-                    <a:lnL w="12700" cap="flat" cmpd="sng" algn="ctr">
-                      <a:solidFill>
-                        <a:schemeClr val="tx1"/>
-                      </a:solidFill>
-                      <a:prstDash val="solid"/>
-                      <a:round/>
-                      <a:headEnd type="none" w="med" len="med"/>
-                      <a:tailEnd type="none" w="med" len="med"/>
-                    </a:lnL>
-                    <a:lnR w="12700" cap="flat" cmpd="sng" algn="ctr">
-                      <a:solidFill>
-                        <a:schemeClr val="tx1"/>
-                      </a:solidFill>
-                      <a:prstDash val="solid"/>
-                      <a:round/>
-                      <a:headEnd type="none" w="med" len="med"/>
-                      <a:tailEnd type="none" w="med" len="med"/>
-                    </a:lnR>
-                    <a:lnT w="12700" cap="flat" cmpd="sng" algn="ctr">
-                      <a:solidFill>
-                        <a:schemeClr val="tx1"/>
-                      </a:solidFill>
-                      <a:prstDash val="solid"/>
-                      <a:round/>
-                      <a:headEnd type="none" w="med" len="med"/>
-                      <a:tailEnd type="none" w="med" len="med"/>
-                    </a:lnT>
-                    <a:lnB w="12700" cap="flat" cmpd="sng" algn="ctr">
-                      <a:solidFill>
-                        <a:schemeClr val="tx1"/>
-                      </a:solidFill>
-                      <a:prstDash val="solid"/>
-                      <a:round/>
-                      <a:headEnd type="none" w="med" len="med"/>
-                      <a:tailEnd type="none" w="med" len="med"/>
-                    </a:lnB>
-                    <a:lnTlToBr w="12700" cmpd="sng">
-                      <a:noFill/>
-                      <a:prstDash val="solid"/>
-                    </a:lnTlToBr>
-                    <a:lnBlToTr w="12700" cmpd="sng">
-                      <a:noFill/>
-                      <a:prstDash val="solid"/>
-                    </a:lnBlToTr>
-                  </a:tcPr>
-                </a:tc>
-              </a:tr>
-              <a:tr h="588326">
-                <a:tc>
-                  <a:txBody>
-                    <a:bodyPr/>
-                    <a:lstStyle/>
-                    <a:p>
-                      <a:pPr marL="0" lvl="0" indent="0" algn="just">
-                        <a:lnSpc>
-                          <a:spcPct val="150000"/>
-                        </a:lnSpc>
-                        <a:spcAft>
-                          <a:spcPts val="0"/>
-                        </a:spcAft>
-                        <a:buFont typeface="Symbol"/>
-                        <a:buNone/>
-                      </a:pPr>
-                      <a:r>
-                        <a:rPr lang="es-ES" sz="1600" dirty="0" smtClean="0">
-                          <a:effectLst/>
-                        </a:rPr>
-                        <a:t>Insatisfacción por parte del cliente con el trabajo realizado durante el Proyecto.</a:t>
                       </a:r>
                       <a:endParaRPr lang="es-PE" sz="1600" dirty="0" smtClean="0">
                         <a:solidFill>
@@ -35737,7 +35440,7 @@
         </p:blipFill>
         <p:spPr bwMode="auto">
           <a:xfrm>
-            <a:off x="7596336" y="2705746"/>
+            <a:off x="7596336" y="3209802"/>
             <a:ext cx="474662" cy="357187"/>
           </a:xfrm>
           <a:prstGeom prst="rect">
@@ -35780,50 +35483,7 @@
         </p:blipFill>
         <p:spPr bwMode="auto">
           <a:xfrm>
-            <a:off x="7553722" y="4511973"/>
-            <a:ext cx="474662" cy="357187"/>
-          </a:xfrm>
-          <a:prstGeom prst="rect">
-            <a:avLst/>
-          </a:prstGeom>
-          <a:noFill/>
-          <a:ln w="9525">
-            <a:noFill/>
-            <a:miter lim="800000"/>
-            <a:headEnd/>
-            <a:tailEnd/>
-          </a:ln>
-        </p:spPr>
-      </p:pic>
-      <p:pic>
-        <p:nvPicPr>
-          <p:cNvPr id="10" name="Picture 9" descr="visto%20bueno"/>
-          <p:cNvPicPr>
-            <a:picLocks noChangeAspect="1" noChangeArrowheads="1"/>
-          </p:cNvPicPr>
-          <p:nvPr/>
-        </p:nvPicPr>
-        <p:blipFill>
-          <a:blip r:embed="rId2">
-            <a:clrChange>
-              <a:clrFrom>
-                <a:srgbClr val="FEFEFE"/>
-              </a:clrFrom>
-              <a:clrTo>
-                <a:srgbClr val="FEFEFE">
-                  <a:alpha val="0"/>
-                </a:srgbClr>
-              </a:clrTo>
-            </a:clrChange>
-          </a:blip>
-          <a:srcRect/>
-          <a:stretch>
-            <a:fillRect/>
-          </a:stretch>
-        </p:blipFill>
-        <p:spPr bwMode="auto">
-          <a:xfrm>
-            <a:off x="7524328" y="5952133"/>
+            <a:off x="7553722" y="5016029"/>
             <a:ext cx="474662" cy="357187"/>
           </a:xfrm>
           <a:prstGeom prst="rect">
@@ -35866,7 +35526,7 @@
         </p:blipFill>
         <p:spPr bwMode="auto">
           <a:xfrm>
-            <a:off x="7553722" y="3791893"/>
+            <a:off x="7553722" y="4295949"/>
             <a:ext cx="474662" cy="357187"/>
           </a:xfrm>
           <a:prstGeom prst="rect">
@@ -35881,145 +35541,6 @@
           </a:ln>
         </p:spPr>
       </p:pic>
-      <p:pic>
-        <p:nvPicPr>
-          <p:cNvPr id="9" name="Picture 9" descr="visto%20bueno"/>
-          <p:cNvPicPr>
-            <a:picLocks noChangeAspect="1" noChangeArrowheads="1"/>
-          </p:cNvPicPr>
-          <p:nvPr/>
-        </p:nvPicPr>
-        <p:blipFill>
-          <a:blip r:embed="rId2">
-            <a:clrChange>
-              <a:clrFrom>
-                <a:srgbClr val="FEFEFE"/>
-              </a:clrFrom>
-              <a:clrTo>
-                <a:srgbClr val="FEFEFE">
-                  <a:alpha val="0"/>
-                </a:srgbClr>
-              </a:clrTo>
-            </a:clrChange>
-          </a:blip>
-          <a:srcRect/>
-          <a:stretch>
-            <a:fillRect/>
-          </a:stretch>
-        </p:blipFill>
-        <p:spPr bwMode="auto">
-          <a:xfrm>
-            <a:off x="7553722" y="5166072"/>
-            <a:ext cx="474662" cy="357187"/>
-          </a:xfrm>
-          <a:prstGeom prst="rect">
-            <a:avLst/>
-          </a:prstGeom>
-          <a:noFill/>
-          <a:ln w="9525">
-            <a:noFill/>
-            <a:miter lim="800000"/>
-            <a:headEnd/>
-            <a:tailEnd/>
-          </a:ln>
-        </p:spPr>
-      </p:pic>
-      <p:sp>
-        <p:nvSpPr>
-          <p:cNvPr id="3" name="2 Rectángulo"/>
-          <p:cNvSpPr/>
-          <p:nvPr/>
-        </p:nvSpPr>
-        <p:spPr>
-          <a:xfrm>
-            <a:off x="539552" y="3645024"/>
-            <a:ext cx="6408712" cy="648072"/>
-          </a:xfrm>
-          <a:prstGeom prst="rect">
-            <a:avLst/>
-          </a:prstGeom>
-          <a:solidFill>
-            <a:schemeClr val="bg1"/>
-          </a:solidFill>
-          <a:ln>
-            <a:solidFill>
-              <a:schemeClr val="bg1"/>
-            </a:solidFill>
-          </a:ln>
-        </p:spPr>
-        <p:style>
-          <a:lnRef idx="2">
-            <a:schemeClr val="accent1">
-              <a:shade val="50000"/>
-            </a:schemeClr>
-          </a:lnRef>
-          <a:fillRef idx="1">
-            <a:schemeClr val="accent1"/>
-          </a:fillRef>
-          <a:effectRef idx="0">
-            <a:schemeClr val="accent1"/>
-          </a:effectRef>
-          <a:fontRef idx="minor">
-            <a:schemeClr val="lt1"/>
-          </a:fontRef>
-        </p:style>
-        <p:txBody>
-          <a:bodyPr rtlCol="0" anchor="ctr"/>
-          <a:lstStyle/>
-          <a:p>
-            <a:pPr algn="ctr"/>
-            <a:endParaRPr lang="es-PE"/>
-          </a:p>
-        </p:txBody>
-      </p:sp>
-      <p:sp>
-        <p:nvSpPr>
-          <p:cNvPr id="11" name="10 Rectángulo"/>
-          <p:cNvSpPr/>
-          <p:nvPr/>
-        </p:nvSpPr>
-        <p:spPr>
-          <a:xfrm>
-            <a:off x="539552" y="5140240"/>
-            <a:ext cx="6408712" cy="589156"/>
-          </a:xfrm>
-          <a:prstGeom prst="rect">
-            <a:avLst/>
-          </a:prstGeom>
-          <a:solidFill>
-            <a:schemeClr val="bg1"/>
-          </a:solidFill>
-          <a:ln>
-            <a:solidFill>
-              <a:schemeClr val="bg1"/>
-            </a:solidFill>
-          </a:ln>
-        </p:spPr>
-        <p:style>
-          <a:lnRef idx="2">
-            <a:schemeClr val="accent1">
-              <a:shade val="50000"/>
-            </a:schemeClr>
-          </a:lnRef>
-          <a:fillRef idx="1">
-            <a:schemeClr val="accent1"/>
-          </a:fillRef>
-          <a:effectRef idx="0">
-            <a:schemeClr val="accent1"/>
-          </a:effectRef>
-          <a:fontRef idx="minor">
-            <a:schemeClr val="lt1"/>
-          </a:fontRef>
-        </p:style>
-        <p:txBody>
-          <a:bodyPr rtlCol="0" anchor="ctr"/>
-          <a:lstStyle/>
-          <a:p>
-            <a:pPr algn="ctr"/>
-            <a:endParaRPr lang="es-PE"/>
-          </a:p>
-        </p:txBody>
-      </p:sp>
     </p:spTree>
     <p:extLst>
       <p:ext uri="{BB962C8B-B14F-4D97-AF65-F5344CB8AC3E}">
@@ -36045,6 +35566,9 @@
                     <p:cTn id="3" fill="hold">
                       <p:stCondLst>
                         <p:cond delay="indefinite"/>
+                        <p:cond evt="onBegin" delay="0">
+                          <p:tn val="2"/>
+                        </p:cond>
                       </p:stCondLst>
                       <p:childTnLst>
                         <p:par>
@@ -36054,49 +35578,14 @@
                             </p:stCondLst>
                             <p:childTnLst>
                               <p:par>
-                                <p:cTn id="5" presetID="10" presetClass="entr" presetSubtype="0" fill="hold" grpId="0" nodeType="clickEffect">
-                                  <p:stCondLst>
-                                    <p:cond delay="0"/>
-                                  </p:stCondLst>
-                                  <p:childTnLst>
-                                    <p:set>
-                                      <p:cBhvr>
-                                        <p:cTn id="6" dur="1" fill="hold">
-                                          <p:stCondLst>
-                                            <p:cond delay="0"/>
-                                          </p:stCondLst>
-                                        </p:cTn>
-                                        <p:tgtEl>
-                                          <p:spTgt spid="3"/>
-                                        </p:tgtEl>
-                                        <p:attrNameLst>
-                                          <p:attrName>style.visibility</p:attrName>
-                                        </p:attrNameLst>
-                                      </p:cBhvr>
-                                      <p:to>
-                                        <p:strVal val="visible"/>
-                                      </p:to>
-                                    </p:set>
-                                    <p:animEffect transition="in" filter="fade">
-                                      <p:cBhvr>
-                                        <p:cTn id="7" dur="2000"/>
-                                        <p:tgtEl>
-                                          <p:spTgt spid="3"/>
-                                        </p:tgtEl>
-                                      </p:cBhvr>
-                                    </p:animEffect>
-                                  </p:childTnLst>
-                                </p:cTn>
-                              </p:par>
-                              <p:par>
-                                <p:cTn id="8" presetID="10" presetClass="exit" presetSubtype="0" fill="hold" nodeType="withEffect">
+                                <p:cTn id="5" presetID="10" presetClass="exit" presetSubtype="0" fill="hold" nodeType="withEffect">
                                   <p:stCondLst>
                                     <p:cond delay="0"/>
                                   </p:stCondLst>
                                   <p:childTnLst>
                                     <p:animEffect transition="out" filter="fade">
                                       <p:cBhvr>
-                                        <p:cTn id="9" dur="2000"/>
+                                        <p:cTn id="6" dur="2000"/>
                                         <p:tgtEl>
                                           <p:spTgt spid="8"/>
                                         </p:tgtEl>
@@ -36104,92 +35593,13 @@
                                     </p:animEffect>
                                     <p:set>
                                       <p:cBhvr>
-                                        <p:cTn id="10" dur="1" fill="hold">
+                                        <p:cTn id="7" dur="1" fill="hold">
                                           <p:stCondLst>
                                             <p:cond delay="1999"/>
                                           </p:stCondLst>
                                         </p:cTn>
                                         <p:tgtEl>
                                           <p:spTgt spid="8"/>
-                                        </p:tgtEl>
-                                        <p:attrNameLst>
-                                          <p:attrName>style.visibility</p:attrName>
-                                        </p:attrNameLst>
-                                      </p:cBhvr>
-                                      <p:to>
-                                        <p:strVal val="hidden"/>
-                                      </p:to>
-                                    </p:set>
-                                  </p:childTnLst>
-                                </p:cTn>
-                              </p:par>
-                            </p:childTnLst>
-                          </p:cTn>
-                        </p:par>
-                        <p:par>
-                          <p:cTn id="11" fill="hold">
-                            <p:stCondLst>
-                              <p:cond delay="2000"/>
-                            </p:stCondLst>
-                            <p:childTnLst>
-                              <p:par>
-                                <p:cTn id="12" presetID="10" presetClass="entr" presetSubtype="0" fill="hold" grpId="0" nodeType="afterEffect">
-                                  <p:stCondLst>
-                                    <p:cond delay="0"/>
-                                  </p:stCondLst>
-                                  <p:childTnLst>
-                                    <p:set>
-                                      <p:cBhvr>
-                                        <p:cTn id="13" dur="1" fill="hold">
-                                          <p:stCondLst>
-                                            <p:cond delay="0"/>
-                                          </p:stCondLst>
-                                        </p:cTn>
-                                        <p:tgtEl>
-                                          <p:spTgt spid="11"/>
-                                        </p:tgtEl>
-                                        <p:attrNameLst>
-                                          <p:attrName>style.visibility</p:attrName>
-                                        </p:attrNameLst>
-                                      </p:cBhvr>
-                                      <p:to>
-                                        <p:strVal val="visible"/>
-                                      </p:to>
-                                    </p:set>
-                                    <p:animEffect transition="in" filter="fade">
-                                      <p:cBhvr>
-                                        <p:cTn id="14" dur="2000"/>
-                                        <p:tgtEl>
-                                          <p:spTgt spid="11"/>
-                                        </p:tgtEl>
-                                      </p:cBhvr>
-                                    </p:animEffect>
-                                  </p:childTnLst>
-                                </p:cTn>
-                              </p:par>
-                              <p:par>
-                                <p:cTn id="15" presetID="10" presetClass="exit" presetSubtype="0" fill="hold" nodeType="withEffect">
-                                  <p:stCondLst>
-                                    <p:cond delay="0"/>
-                                  </p:stCondLst>
-                                  <p:childTnLst>
-                                    <p:animEffect transition="out" filter="fade">
-                                      <p:cBhvr>
-                                        <p:cTn id="16" dur="2000"/>
-                                        <p:tgtEl>
-                                          <p:spTgt spid="9"/>
-                                        </p:tgtEl>
-                                      </p:cBhvr>
-                                    </p:animEffect>
-                                    <p:set>
-                                      <p:cBhvr>
-                                        <p:cTn id="17" dur="1" fill="hold">
-                                          <p:stCondLst>
-                                            <p:cond delay="1999"/>
-                                          </p:stCondLst>
-                                        </p:cTn>
-                                        <p:tgtEl>
-                                          <p:spTgt spid="9"/>
                                         </p:tgtEl>
                                         <p:attrNameLst>
                                           <p:attrName>style.visibility</p:attrName>
@@ -36229,10 +35639,6 @@
         </p:cTn>
       </p:par>
     </p:tnLst>
-    <p:bldLst>
-      <p:bldP spid="3" grpId="0" animBg="1"/>
-      <p:bldP spid="11" grpId="0" animBg="1"/>
-    </p:bldLst>
   </p:timing>
 </p:sld>
 </file>
